--- a/slides/block1.pptx
+++ b/slides/block1.pptx
@@ -207,7 +207,7 @@
           <a:p>
             <a:fld id="{3F5DAF9C-BFBB-7344-81B1-BA27AD60250B}" type="datetimeFigureOut">
               <a:rPr lang="en-KW" smtClean="0"/>
-              <a:t>01/10/2025</a:t>
+              <a:t>18/10/2025</a:t>
             </a:fld>
             <a:endParaRPr lang="en-KW"/>
           </a:p>
@@ -921,7 +921,7 @@
           <a:p>
             <a:fld id="{AB78BAB4-45D1-EE48-BF00-BF3F291908FD}" type="datetimeFigureOut">
               <a:rPr lang="en-KW" smtClean="0"/>
-              <a:t>01/10/2025</a:t>
+              <a:t>18/10/2025</a:t>
             </a:fld>
             <a:endParaRPr lang="en-KW"/>
           </a:p>
@@ -1121,7 +1121,7 @@
           <a:p>
             <a:fld id="{AB78BAB4-45D1-EE48-BF00-BF3F291908FD}" type="datetimeFigureOut">
               <a:rPr lang="en-KW" smtClean="0"/>
-              <a:t>01/10/2025</a:t>
+              <a:t>18/10/2025</a:t>
             </a:fld>
             <a:endParaRPr lang="en-KW"/>
           </a:p>
@@ -1331,7 +1331,7 @@
           <a:p>
             <a:fld id="{AB78BAB4-45D1-EE48-BF00-BF3F291908FD}" type="datetimeFigureOut">
               <a:rPr lang="en-KW" smtClean="0"/>
-              <a:t>01/10/2025</a:t>
+              <a:t>18/10/2025</a:t>
             </a:fld>
             <a:endParaRPr lang="en-KW"/>
           </a:p>
@@ -1554,7 +1554,7 @@
           <a:p>
             <a:fld id="{AB78BAB4-45D1-EE48-BF00-BF3F291908FD}" type="datetimeFigureOut">
               <a:rPr lang="en-KW" smtClean="0"/>
-              <a:t>01/10/2025</a:t>
+              <a:t>18/10/2025</a:t>
             </a:fld>
             <a:endParaRPr lang="en-KW"/>
           </a:p>
@@ -1830,7 +1830,7 @@
           <a:p>
             <a:fld id="{AB78BAB4-45D1-EE48-BF00-BF3F291908FD}" type="datetimeFigureOut">
               <a:rPr lang="en-KW" smtClean="0"/>
-              <a:t>01/10/2025</a:t>
+              <a:t>18/10/2025</a:t>
             </a:fld>
             <a:endParaRPr lang="en-KW"/>
           </a:p>
@@ -2098,7 +2098,7 @@
           <a:p>
             <a:fld id="{AB78BAB4-45D1-EE48-BF00-BF3F291908FD}" type="datetimeFigureOut">
               <a:rPr lang="en-KW" smtClean="0"/>
-              <a:t>01/10/2025</a:t>
+              <a:t>18/10/2025</a:t>
             </a:fld>
             <a:endParaRPr lang="en-KW"/>
           </a:p>
@@ -2513,7 +2513,7 @@
           <a:p>
             <a:fld id="{AB78BAB4-45D1-EE48-BF00-BF3F291908FD}" type="datetimeFigureOut">
               <a:rPr lang="en-KW" smtClean="0"/>
-              <a:t>01/10/2025</a:t>
+              <a:t>18/10/2025</a:t>
             </a:fld>
             <a:endParaRPr lang="en-KW"/>
           </a:p>
@@ -2655,7 +2655,7 @@
           <a:p>
             <a:fld id="{AB78BAB4-45D1-EE48-BF00-BF3F291908FD}" type="datetimeFigureOut">
               <a:rPr lang="en-KW" smtClean="0"/>
-              <a:t>01/10/2025</a:t>
+              <a:t>18/10/2025</a:t>
             </a:fld>
             <a:endParaRPr lang="en-KW"/>
           </a:p>
@@ -2768,7 +2768,7 @@
           <a:p>
             <a:fld id="{AB78BAB4-45D1-EE48-BF00-BF3F291908FD}" type="datetimeFigureOut">
               <a:rPr lang="en-KW" smtClean="0"/>
-              <a:t>01/10/2025</a:t>
+              <a:t>18/10/2025</a:t>
             </a:fld>
             <a:endParaRPr lang="en-KW"/>
           </a:p>
@@ -3081,7 +3081,7 @@
           <a:p>
             <a:fld id="{AB78BAB4-45D1-EE48-BF00-BF3F291908FD}" type="datetimeFigureOut">
               <a:rPr lang="en-KW" smtClean="0"/>
-              <a:t>01/10/2025</a:t>
+              <a:t>18/10/2025</a:t>
             </a:fld>
             <a:endParaRPr lang="en-KW"/>
           </a:p>
@@ -3370,7 +3370,7 @@
           <a:p>
             <a:fld id="{AB78BAB4-45D1-EE48-BF00-BF3F291908FD}" type="datetimeFigureOut">
               <a:rPr lang="en-KW" smtClean="0"/>
-              <a:t>01/10/2025</a:t>
+              <a:t>18/10/2025</a:t>
             </a:fld>
             <a:endParaRPr lang="en-KW"/>
           </a:p>
@@ -3613,7 +3613,7 @@
           <a:p>
             <a:fld id="{AB78BAB4-45D1-EE48-BF00-BF3F291908FD}" type="datetimeFigureOut">
               <a:rPr lang="en-KW" smtClean="0"/>
-              <a:t>01/10/2025</a:t>
+              <a:t>18/10/2025</a:t>
             </a:fld>
             <a:endParaRPr lang="en-KW"/>
           </a:p>
@@ -4087,7 +4087,7 @@
           <a:p>
             <a:r>
               <a:rPr lang="en-KW" dirty="0"/>
-              <a:t>October 19 2025</a:t>
+              <a:t>October 2025</a:t>
             </a:r>
           </a:p>
         </p:txBody>
@@ -4229,6 +4229,279 @@
   <p:clrMapOvr>
     <a:masterClrMapping/>
   </p:clrMapOvr>
+  <p:timing>
+    <p:tnLst>
+      <p:par>
+        <p:cTn id="1" dur="indefinite" restart="never" nodeType="tmRoot">
+          <p:childTnLst>
+            <p:seq concurrent="1" nextAc="seek">
+              <p:cTn id="2" dur="indefinite" nodeType="mainSeq">
+                <p:childTnLst>
+                  <p:par>
+                    <p:cTn id="3" fill="hold">
+                      <p:stCondLst>
+                        <p:cond delay="indefinite"/>
+                      </p:stCondLst>
+                      <p:childTnLst>
+                        <p:par>
+                          <p:cTn id="4" fill="hold">
+                            <p:stCondLst>
+                              <p:cond delay="0"/>
+                            </p:stCondLst>
+                            <p:childTnLst>
+                              <p:par>
+                                <p:cTn id="5" presetID="1" presetClass="entr" presetSubtype="0" fill="hold" grpId="0" nodeType="clickEffect">
+                                  <p:stCondLst>
+                                    <p:cond delay="0"/>
+                                  </p:stCondLst>
+                                  <p:childTnLst>
+                                    <p:set>
+                                      <p:cBhvr>
+                                        <p:cTn id="6" dur="1" fill="hold">
+                                          <p:stCondLst>
+                                            <p:cond delay="0"/>
+                                          </p:stCondLst>
+                                        </p:cTn>
+                                        <p:tgtEl>
+                                          <p:spTgt spid="3">
+                                            <p:txEl>
+                                              <p:pRg st="0" end="0"/>
+                                            </p:txEl>
+                                          </p:spTgt>
+                                        </p:tgtEl>
+                                        <p:attrNameLst>
+                                          <p:attrName>style.visibility</p:attrName>
+                                        </p:attrNameLst>
+                                      </p:cBhvr>
+                                      <p:to>
+                                        <p:strVal val="visible"/>
+                                      </p:to>
+                                    </p:set>
+                                  </p:childTnLst>
+                                </p:cTn>
+                              </p:par>
+                            </p:childTnLst>
+                          </p:cTn>
+                        </p:par>
+                      </p:childTnLst>
+                    </p:cTn>
+                  </p:par>
+                  <p:par>
+                    <p:cTn id="7" fill="hold">
+                      <p:stCondLst>
+                        <p:cond delay="indefinite"/>
+                      </p:stCondLst>
+                      <p:childTnLst>
+                        <p:par>
+                          <p:cTn id="8" fill="hold">
+                            <p:stCondLst>
+                              <p:cond delay="0"/>
+                            </p:stCondLst>
+                            <p:childTnLst>
+                              <p:par>
+                                <p:cTn id="9" presetID="1" presetClass="entr" presetSubtype="0" fill="hold" grpId="0" nodeType="clickEffect">
+                                  <p:stCondLst>
+                                    <p:cond delay="0"/>
+                                  </p:stCondLst>
+                                  <p:childTnLst>
+                                    <p:set>
+                                      <p:cBhvr>
+                                        <p:cTn id="10" dur="1" fill="hold">
+                                          <p:stCondLst>
+                                            <p:cond delay="0"/>
+                                          </p:stCondLst>
+                                        </p:cTn>
+                                        <p:tgtEl>
+                                          <p:spTgt spid="3">
+                                            <p:txEl>
+                                              <p:pRg st="1" end="1"/>
+                                            </p:txEl>
+                                          </p:spTgt>
+                                        </p:tgtEl>
+                                        <p:attrNameLst>
+                                          <p:attrName>style.visibility</p:attrName>
+                                        </p:attrNameLst>
+                                      </p:cBhvr>
+                                      <p:to>
+                                        <p:strVal val="visible"/>
+                                      </p:to>
+                                    </p:set>
+                                  </p:childTnLst>
+                                </p:cTn>
+                              </p:par>
+                              <p:par>
+                                <p:cTn id="11" presetID="1" presetClass="entr" presetSubtype="0" fill="hold" grpId="0" nodeType="withEffect">
+                                  <p:stCondLst>
+                                    <p:cond delay="0"/>
+                                  </p:stCondLst>
+                                  <p:childTnLst>
+                                    <p:set>
+                                      <p:cBhvr>
+                                        <p:cTn id="12" dur="1" fill="hold">
+                                          <p:stCondLst>
+                                            <p:cond delay="0"/>
+                                          </p:stCondLst>
+                                        </p:cTn>
+                                        <p:tgtEl>
+                                          <p:spTgt spid="3">
+                                            <p:txEl>
+                                              <p:pRg st="2" end="2"/>
+                                            </p:txEl>
+                                          </p:spTgt>
+                                        </p:tgtEl>
+                                        <p:attrNameLst>
+                                          <p:attrName>style.visibility</p:attrName>
+                                        </p:attrNameLst>
+                                      </p:cBhvr>
+                                      <p:to>
+                                        <p:strVal val="visible"/>
+                                      </p:to>
+                                    </p:set>
+                                  </p:childTnLst>
+                                </p:cTn>
+                              </p:par>
+                            </p:childTnLst>
+                          </p:cTn>
+                        </p:par>
+                      </p:childTnLst>
+                    </p:cTn>
+                  </p:par>
+                  <p:par>
+                    <p:cTn id="13" fill="hold">
+                      <p:stCondLst>
+                        <p:cond delay="indefinite"/>
+                      </p:stCondLst>
+                      <p:childTnLst>
+                        <p:par>
+                          <p:cTn id="14" fill="hold">
+                            <p:stCondLst>
+                              <p:cond delay="0"/>
+                            </p:stCondLst>
+                            <p:childTnLst>
+                              <p:par>
+                                <p:cTn id="15" presetID="1" presetClass="entr" presetSubtype="0" fill="hold" grpId="0" nodeType="clickEffect">
+                                  <p:stCondLst>
+                                    <p:cond delay="0"/>
+                                  </p:stCondLst>
+                                  <p:childTnLst>
+                                    <p:set>
+                                      <p:cBhvr>
+                                        <p:cTn id="16" dur="1" fill="hold">
+                                          <p:stCondLst>
+                                            <p:cond delay="0"/>
+                                          </p:stCondLst>
+                                        </p:cTn>
+                                        <p:tgtEl>
+                                          <p:spTgt spid="3">
+                                            <p:txEl>
+                                              <p:pRg st="3" end="3"/>
+                                            </p:txEl>
+                                          </p:spTgt>
+                                        </p:tgtEl>
+                                        <p:attrNameLst>
+                                          <p:attrName>style.visibility</p:attrName>
+                                        </p:attrNameLst>
+                                      </p:cBhvr>
+                                      <p:to>
+                                        <p:strVal val="visible"/>
+                                      </p:to>
+                                    </p:set>
+                                  </p:childTnLst>
+                                </p:cTn>
+                              </p:par>
+                              <p:par>
+                                <p:cTn id="17" presetID="1" presetClass="entr" presetSubtype="0" fill="hold" grpId="0" nodeType="withEffect">
+                                  <p:stCondLst>
+                                    <p:cond delay="0"/>
+                                  </p:stCondLst>
+                                  <p:childTnLst>
+                                    <p:set>
+                                      <p:cBhvr>
+                                        <p:cTn id="18" dur="1" fill="hold">
+                                          <p:stCondLst>
+                                            <p:cond delay="0"/>
+                                          </p:stCondLst>
+                                        </p:cTn>
+                                        <p:tgtEl>
+                                          <p:spTgt spid="3">
+                                            <p:txEl>
+                                              <p:pRg st="4" end="4"/>
+                                            </p:txEl>
+                                          </p:spTgt>
+                                        </p:tgtEl>
+                                        <p:attrNameLst>
+                                          <p:attrName>style.visibility</p:attrName>
+                                        </p:attrNameLst>
+                                      </p:cBhvr>
+                                      <p:to>
+                                        <p:strVal val="visible"/>
+                                      </p:to>
+                                    </p:set>
+                                  </p:childTnLst>
+                                </p:cTn>
+                              </p:par>
+                              <p:par>
+                                <p:cTn id="19" presetID="1" presetClass="entr" presetSubtype="0" fill="hold" grpId="0" nodeType="withEffect">
+                                  <p:stCondLst>
+                                    <p:cond delay="0"/>
+                                  </p:stCondLst>
+                                  <p:childTnLst>
+                                    <p:set>
+                                      <p:cBhvr>
+                                        <p:cTn id="20" dur="1" fill="hold">
+                                          <p:stCondLst>
+                                            <p:cond delay="0"/>
+                                          </p:stCondLst>
+                                        </p:cTn>
+                                        <p:tgtEl>
+                                          <p:spTgt spid="3">
+                                            <p:txEl>
+                                              <p:pRg st="5" end="5"/>
+                                            </p:txEl>
+                                          </p:spTgt>
+                                        </p:tgtEl>
+                                        <p:attrNameLst>
+                                          <p:attrName>style.visibility</p:attrName>
+                                        </p:attrNameLst>
+                                      </p:cBhvr>
+                                      <p:to>
+                                        <p:strVal val="visible"/>
+                                      </p:to>
+                                    </p:set>
+                                  </p:childTnLst>
+                                </p:cTn>
+                              </p:par>
+                            </p:childTnLst>
+                          </p:cTn>
+                        </p:par>
+                      </p:childTnLst>
+                    </p:cTn>
+                  </p:par>
+                </p:childTnLst>
+              </p:cTn>
+              <p:prevCondLst>
+                <p:cond evt="onPrev" delay="0">
+                  <p:tgtEl>
+                    <p:sldTgt/>
+                  </p:tgtEl>
+                </p:cond>
+              </p:prevCondLst>
+              <p:nextCondLst>
+                <p:cond evt="onNext" delay="0">
+                  <p:tgtEl>
+                    <p:sldTgt/>
+                  </p:tgtEl>
+                </p:cond>
+              </p:nextCondLst>
+            </p:seq>
+          </p:childTnLst>
+        </p:cTn>
+      </p:par>
+    </p:tnLst>
+    <p:bldLst>
+      <p:bldP spid="3" grpId="0" build="p"/>
+    </p:bldLst>
+  </p:timing>
 </p:sld>
 </file>
 
@@ -6453,6 +6726,325 @@
   <p:clrMapOvr>
     <a:masterClrMapping/>
   </p:clrMapOvr>
+  <p:timing>
+    <p:tnLst>
+      <p:par>
+        <p:cTn id="1" dur="indefinite" restart="never" nodeType="tmRoot">
+          <p:childTnLst>
+            <p:seq concurrent="1" nextAc="seek">
+              <p:cTn id="2" dur="indefinite" nodeType="mainSeq">
+                <p:childTnLst>
+                  <p:par>
+                    <p:cTn id="3" fill="hold">
+                      <p:stCondLst>
+                        <p:cond delay="indefinite"/>
+                      </p:stCondLst>
+                      <p:childTnLst>
+                        <p:par>
+                          <p:cTn id="4" fill="hold">
+                            <p:stCondLst>
+                              <p:cond delay="0"/>
+                            </p:stCondLst>
+                            <p:childTnLst>
+                              <p:par>
+                                <p:cTn id="5" presetID="1" presetClass="entr" presetSubtype="0" fill="hold" grpId="0" nodeType="clickEffect">
+                                  <p:stCondLst>
+                                    <p:cond delay="0"/>
+                                  </p:stCondLst>
+                                  <p:childTnLst>
+                                    <p:set>
+                                      <p:cBhvr>
+                                        <p:cTn id="6" dur="1" fill="hold">
+                                          <p:stCondLst>
+                                            <p:cond delay="0"/>
+                                          </p:stCondLst>
+                                        </p:cTn>
+                                        <p:tgtEl>
+                                          <p:spTgt spid="3">
+                                            <p:txEl>
+                                              <p:pRg st="0" end="0"/>
+                                            </p:txEl>
+                                          </p:spTgt>
+                                        </p:tgtEl>
+                                        <p:attrNameLst>
+                                          <p:attrName>style.visibility</p:attrName>
+                                        </p:attrNameLst>
+                                      </p:cBhvr>
+                                      <p:to>
+                                        <p:strVal val="visible"/>
+                                      </p:to>
+                                    </p:set>
+                                  </p:childTnLst>
+                                </p:cTn>
+                              </p:par>
+                              <p:par>
+                                <p:cTn id="7" presetID="1" presetClass="entr" presetSubtype="0" fill="hold" nodeType="withEffect">
+                                  <p:stCondLst>
+                                    <p:cond delay="0"/>
+                                  </p:stCondLst>
+                                  <p:childTnLst>
+                                    <p:set>
+                                      <p:cBhvr>
+                                        <p:cTn id="8" dur="1" fill="hold">
+                                          <p:stCondLst>
+                                            <p:cond delay="0"/>
+                                          </p:stCondLst>
+                                        </p:cTn>
+                                        <p:tgtEl>
+                                          <p:spTgt spid="14"/>
+                                        </p:tgtEl>
+                                        <p:attrNameLst>
+                                          <p:attrName>style.visibility</p:attrName>
+                                        </p:attrNameLst>
+                                      </p:cBhvr>
+                                      <p:to>
+                                        <p:strVal val="visible"/>
+                                      </p:to>
+                                    </p:set>
+                                  </p:childTnLst>
+                                </p:cTn>
+                              </p:par>
+                            </p:childTnLst>
+                          </p:cTn>
+                        </p:par>
+                      </p:childTnLst>
+                    </p:cTn>
+                  </p:par>
+                  <p:par>
+                    <p:cTn id="9" fill="hold">
+                      <p:stCondLst>
+                        <p:cond delay="indefinite"/>
+                      </p:stCondLst>
+                      <p:childTnLst>
+                        <p:par>
+                          <p:cTn id="10" fill="hold">
+                            <p:stCondLst>
+                              <p:cond delay="0"/>
+                            </p:stCondLst>
+                            <p:childTnLst>
+                              <p:par>
+                                <p:cTn id="11" presetID="1" presetClass="entr" presetSubtype="0" fill="hold" grpId="0" nodeType="clickEffect">
+                                  <p:stCondLst>
+                                    <p:cond delay="0"/>
+                                  </p:stCondLst>
+                                  <p:childTnLst>
+                                    <p:set>
+                                      <p:cBhvr>
+                                        <p:cTn id="12" dur="1" fill="hold">
+                                          <p:stCondLst>
+                                            <p:cond delay="0"/>
+                                          </p:stCondLst>
+                                        </p:cTn>
+                                        <p:tgtEl>
+                                          <p:spTgt spid="3">
+                                            <p:txEl>
+                                              <p:pRg st="1" end="1"/>
+                                            </p:txEl>
+                                          </p:spTgt>
+                                        </p:tgtEl>
+                                        <p:attrNameLst>
+                                          <p:attrName>style.visibility</p:attrName>
+                                        </p:attrNameLst>
+                                      </p:cBhvr>
+                                      <p:to>
+                                        <p:strVal val="visible"/>
+                                      </p:to>
+                                    </p:set>
+                                  </p:childTnLst>
+                                </p:cTn>
+                              </p:par>
+                              <p:par>
+                                <p:cTn id="13" presetID="1" presetClass="entr" presetSubtype="0" fill="hold" nodeType="withEffect">
+                                  <p:stCondLst>
+                                    <p:cond delay="0"/>
+                                  </p:stCondLst>
+                                  <p:childTnLst>
+                                    <p:set>
+                                      <p:cBhvr>
+                                        <p:cTn id="14" dur="1" fill="hold">
+                                          <p:stCondLst>
+                                            <p:cond delay="0"/>
+                                          </p:stCondLst>
+                                        </p:cTn>
+                                        <p:tgtEl>
+                                          <p:spTgt spid="5"/>
+                                        </p:tgtEl>
+                                        <p:attrNameLst>
+                                          <p:attrName>style.visibility</p:attrName>
+                                        </p:attrNameLst>
+                                      </p:cBhvr>
+                                      <p:to>
+                                        <p:strVal val="visible"/>
+                                      </p:to>
+                                    </p:set>
+                                  </p:childTnLst>
+                                </p:cTn>
+                              </p:par>
+                            </p:childTnLst>
+                          </p:cTn>
+                        </p:par>
+                      </p:childTnLst>
+                    </p:cTn>
+                  </p:par>
+                  <p:par>
+                    <p:cTn id="15" fill="hold">
+                      <p:stCondLst>
+                        <p:cond delay="indefinite"/>
+                      </p:stCondLst>
+                      <p:childTnLst>
+                        <p:par>
+                          <p:cTn id="16" fill="hold">
+                            <p:stCondLst>
+                              <p:cond delay="0"/>
+                            </p:stCondLst>
+                            <p:childTnLst>
+                              <p:par>
+                                <p:cTn id="17" presetID="1" presetClass="entr" presetSubtype="0" fill="hold" grpId="0" nodeType="clickEffect">
+                                  <p:stCondLst>
+                                    <p:cond delay="0"/>
+                                  </p:stCondLst>
+                                  <p:childTnLst>
+                                    <p:set>
+                                      <p:cBhvr>
+                                        <p:cTn id="18" dur="1" fill="hold">
+                                          <p:stCondLst>
+                                            <p:cond delay="0"/>
+                                          </p:stCondLst>
+                                        </p:cTn>
+                                        <p:tgtEl>
+                                          <p:spTgt spid="3">
+                                            <p:txEl>
+                                              <p:pRg st="2" end="2"/>
+                                            </p:txEl>
+                                          </p:spTgt>
+                                        </p:tgtEl>
+                                        <p:attrNameLst>
+                                          <p:attrName>style.visibility</p:attrName>
+                                        </p:attrNameLst>
+                                      </p:cBhvr>
+                                      <p:to>
+                                        <p:strVal val="visible"/>
+                                      </p:to>
+                                    </p:set>
+                                  </p:childTnLst>
+                                </p:cTn>
+                              </p:par>
+                            </p:childTnLst>
+                          </p:cTn>
+                        </p:par>
+                        <p:par>
+                          <p:cTn id="19" fill="hold">
+                            <p:stCondLst>
+                              <p:cond delay="0"/>
+                            </p:stCondLst>
+                            <p:childTnLst>
+                              <p:par>
+                                <p:cTn id="20" presetID="1" presetClass="entr" presetSubtype="0" fill="hold" nodeType="afterEffect">
+                                  <p:stCondLst>
+                                    <p:cond delay="0"/>
+                                  </p:stCondLst>
+                                  <p:childTnLst>
+                                    <p:set>
+                                      <p:cBhvr>
+                                        <p:cTn id="21" dur="1" fill="hold">
+                                          <p:stCondLst>
+                                            <p:cond delay="0"/>
+                                          </p:stCondLst>
+                                        </p:cTn>
+                                        <p:tgtEl>
+                                          <p:spTgt spid="114"/>
+                                        </p:tgtEl>
+                                        <p:attrNameLst>
+                                          <p:attrName>style.visibility</p:attrName>
+                                        </p:attrNameLst>
+                                      </p:cBhvr>
+                                      <p:to>
+                                        <p:strVal val="visible"/>
+                                      </p:to>
+                                    </p:set>
+                                  </p:childTnLst>
+                                </p:cTn>
+                              </p:par>
+                            </p:childTnLst>
+                          </p:cTn>
+                        </p:par>
+                      </p:childTnLst>
+                    </p:cTn>
+                  </p:par>
+                  <p:par>
+                    <p:cTn id="22" fill="hold">
+                      <p:stCondLst>
+                        <p:cond delay="indefinite"/>
+                      </p:stCondLst>
+                      <p:childTnLst>
+                        <p:par>
+                          <p:cTn id="23" fill="hold">
+                            <p:stCondLst>
+                              <p:cond delay="0"/>
+                            </p:stCondLst>
+                            <p:childTnLst>
+                              <p:par>
+                                <p:cTn id="24" presetID="1" presetClass="entr" presetSubtype="0" fill="hold" grpId="0" nodeType="clickEffect">
+                                  <p:stCondLst>
+                                    <p:cond delay="0"/>
+                                  </p:stCondLst>
+                                  <p:childTnLst>
+                                    <p:set>
+                                      <p:cBhvr>
+                                        <p:cTn id="25" dur="1" fill="hold">
+                                          <p:stCondLst>
+                                            <p:cond delay="0"/>
+                                          </p:stCondLst>
+                                        </p:cTn>
+                                        <p:tgtEl>
+                                          <p:spTgt spid="3">
+                                            <p:txEl>
+                                              <p:pRg st="4" end="4"/>
+                                            </p:txEl>
+                                          </p:spTgt>
+                                        </p:tgtEl>
+                                        <p:attrNameLst>
+                                          <p:attrName>style.visibility</p:attrName>
+                                        </p:attrNameLst>
+                                      </p:cBhvr>
+                                      <p:to>
+                                        <p:strVal val="visible"/>
+                                      </p:to>
+                                    </p:set>
+                                  </p:childTnLst>
+                                </p:cTn>
+                              </p:par>
+                            </p:childTnLst>
+                          </p:cTn>
+                        </p:par>
+                      </p:childTnLst>
+                    </p:cTn>
+                  </p:par>
+                </p:childTnLst>
+              </p:cTn>
+              <p:prevCondLst>
+                <p:cond evt="onPrev" delay="0">
+                  <p:tgtEl>
+                    <p:sldTgt/>
+                  </p:tgtEl>
+                </p:cond>
+              </p:prevCondLst>
+              <p:nextCondLst>
+                <p:cond evt="onNext" delay="0">
+                  <p:tgtEl>
+                    <p:sldTgt/>
+                  </p:tgtEl>
+                </p:cond>
+              </p:nextCondLst>
+            </p:seq>
+          </p:childTnLst>
+        </p:cTn>
+      </p:par>
+    </p:tnLst>
+    <p:bldLst>
+      <p:bldP spid="3" grpId="0" uiExpand="1" build="p"/>
+    </p:bldLst>
+  </p:timing>
 </p:sld>
 </file>
 
@@ -7421,6 +8013,281 @@
   <p:clrMapOvr>
     <a:masterClrMapping/>
   </p:clrMapOvr>
+  <p:timing>
+    <p:tnLst>
+      <p:par>
+        <p:cTn id="1" dur="indefinite" restart="never" nodeType="tmRoot">
+          <p:childTnLst>
+            <p:seq concurrent="1" nextAc="seek">
+              <p:cTn id="2" dur="indefinite" nodeType="mainSeq">
+                <p:childTnLst>
+                  <p:par>
+                    <p:cTn id="3" fill="hold">
+                      <p:stCondLst>
+                        <p:cond delay="indefinite"/>
+                      </p:stCondLst>
+                      <p:childTnLst>
+                        <p:par>
+                          <p:cTn id="4" fill="hold">
+                            <p:stCondLst>
+                              <p:cond delay="0"/>
+                            </p:stCondLst>
+                            <p:childTnLst>
+                              <p:par>
+                                <p:cTn id="5" presetID="1" presetClass="entr" presetSubtype="0" fill="hold" grpId="0" nodeType="clickEffect">
+                                  <p:stCondLst>
+                                    <p:cond delay="0"/>
+                                  </p:stCondLst>
+                                  <p:childTnLst>
+                                    <p:set>
+                                      <p:cBhvr>
+                                        <p:cTn id="6" dur="1" fill="hold">
+                                          <p:stCondLst>
+                                            <p:cond delay="0"/>
+                                          </p:stCondLst>
+                                        </p:cTn>
+                                        <p:tgtEl>
+                                          <p:spTgt spid="15"/>
+                                        </p:tgtEl>
+                                        <p:attrNameLst>
+                                          <p:attrName>style.visibility</p:attrName>
+                                        </p:attrNameLst>
+                                      </p:cBhvr>
+                                      <p:to>
+                                        <p:strVal val="visible"/>
+                                      </p:to>
+                                    </p:set>
+                                  </p:childTnLst>
+                                </p:cTn>
+                              </p:par>
+                              <p:par>
+                                <p:cTn id="7" presetID="1" presetClass="entr" presetSubtype="0" fill="hold" grpId="0" nodeType="withEffect">
+                                  <p:stCondLst>
+                                    <p:cond delay="0"/>
+                                  </p:stCondLst>
+                                  <p:childTnLst>
+                                    <p:set>
+                                      <p:cBhvr>
+                                        <p:cTn id="8" dur="1" fill="hold">
+                                          <p:stCondLst>
+                                            <p:cond delay="0"/>
+                                          </p:stCondLst>
+                                        </p:cTn>
+                                        <p:tgtEl>
+                                          <p:spTgt spid="14"/>
+                                        </p:tgtEl>
+                                        <p:attrNameLst>
+                                          <p:attrName>style.visibility</p:attrName>
+                                        </p:attrNameLst>
+                                      </p:cBhvr>
+                                      <p:to>
+                                        <p:strVal val="visible"/>
+                                      </p:to>
+                                    </p:set>
+                                  </p:childTnLst>
+                                </p:cTn>
+                              </p:par>
+                            </p:childTnLst>
+                          </p:cTn>
+                        </p:par>
+                      </p:childTnLst>
+                    </p:cTn>
+                  </p:par>
+                  <p:par>
+                    <p:cTn id="9" fill="hold">
+                      <p:stCondLst>
+                        <p:cond delay="indefinite"/>
+                      </p:stCondLst>
+                      <p:childTnLst>
+                        <p:par>
+                          <p:cTn id="10" fill="hold">
+                            <p:stCondLst>
+                              <p:cond delay="0"/>
+                            </p:stCondLst>
+                            <p:childTnLst>
+                              <p:par>
+                                <p:cTn id="11" presetID="1" presetClass="entr" presetSubtype="0" fill="hold" grpId="0" nodeType="clickEffect">
+                                  <p:stCondLst>
+                                    <p:cond delay="0"/>
+                                  </p:stCondLst>
+                                  <p:childTnLst>
+                                    <p:set>
+                                      <p:cBhvr>
+                                        <p:cTn id="12" dur="1" fill="hold">
+                                          <p:stCondLst>
+                                            <p:cond delay="0"/>
+                                          </p:stCondLst>
+                                        </p:cTn>
+                                        <p:tgtEl>
+                                          <p:spTgt spid="16"/>
+                                        </p:tgtEl>
+                                        <p:attrNameLst>
+                                          <p:attrName>style.visibility</p:attrName>
+                                        </p:attrNameLst>
+                                      </p:cBhvr>
+                                      <p:to>
+                                        <p:strVal val="visible"/>
+                                      </p:to>
+                                    </p:set>
+                                  </p:childTnLst>
+                                </p:cTn>
+                              </p:par>
+                              <p:par>
+                                <p:cTn id="13" presetID="1" presetClass="entr" presetSubtype="0" fill="hold" grpId="0" nodeType="withEffect">
+                                  <p:stCondLst>
+                                    <p:cond delay="0"/>
+                                  </p:stCondLst>
+                                  <p:childTnLst>
+                                    <p:set>
+                                      <p:cBhvr>
+                                        <p:cTn id="14" dur="1" fill="hold">
+                                          <p:stCondLst>
+                                            <p:cond delay="0"/>
+                                          </p:stCondLst>
+                                        </p:cTn>
+                                        <p:tgtEl>
+                                          <p:spTgt spid="17"/>
+                                        </p:tgtEl>
+                                        <p:attrNameLst>
+                                          <p:attrName>style.visibility</p:attrName>
+                                        </p:attrNameLst>
+                                      </p:cBhvr>
+                                      <p:to>
+                                        <p:strVal val="visible"/>
+                                      </p:to>
+                                    </p:set>
+                                  </p:childTnLst>
+                                </p:cTn>
+                              </p:par>
+                            </p:childTnLst>
+                          </p:cTn>
+                        </p:par>
+                      </p:childTnLst>
+                    </p:cTn>
+                  </p:par>
+                  <p:par>
+                    <p:cTn id="15" fill="hold">
+                      <p:stCondLst>
+                        <p:cond delay="indefinite"/>
+                      </p:stCondLst>
+                      <p:childTnLst>
+                        <p:par>
+                          <p:cTn id="16" fill="hold">
+                            <p:stCondLst>
+                              <p:cond delay="0"/>
+                            </p:stCondLst>
+                            <p:childTnLst>
+                              <p:par>
+                                <p:cTn id="17" presetID="1" presetClass="entr" presetSubtype="0" fill="hold" grpId="0" nodeType="clickEffect">
+                                  <p:stCondLst>
+                                    <p:cond delay="0"/>
+                                  </p:stCondLst>
+                                  <p:childTnLst>
+                                    <p:set>
+                                      <p:cBhvr>
+                                        <p:cTn id="18" dur="1" fill="hold">
+                                          <p:stCondLst>
+                                            <p:cond delay="0"/>
+                                          </p:stCondLst>
+                                        </p:cTn>
+                                        <p:tgtEl>
+                                          <p:spTgt spid="18"/>
+                                        </p:tgtEl>
+                                        <p:attrNameLst>
+                                          <p:attrName>style.visibility</p:attrName>
+                                        </p:attrNameLst>
+                                      </p:cBhvr>
+                                      <p:to>
+                                        <p:strVal val="visible"/>
+                                      </p:to>
+                                    </p:set>
+                                  </p:childTnLst>
+                                </p:cTn>
+                              </p:par>
+                            </p:childTnLst>
+                          </p:cTn>
+                        </p:par>
+                      </p:childTnLst>
+                    </p:cTn>
+                  </p:par>
+                  <p:par>
+                    <p:cTn id="19" fill="hold">
+                      <p:stCondLst>
+                        <p:cond delay="indefinite"/>
+                      </p:stCondLst>
+                      <p:childTnLst>
+                        <p:par>
+                          <p:cTn id="20" fill="hold">
+                            <p:stCondLst>
+                              <p:cond delay="0"/>
+                            </p:stCondLst>
+                            <p:childTnLst>
+                              <p:par>
+                                <p:cTn id="21" presetID="1" presetClass="entr" presetSubtype="0" fill="hold" nodeType="clickEffect">
+                                  <p:stCondLst>
+                                    <p:cond delay="0"/>
+                                  </p:stCondLst>
+                                  <p:childTnLst>
+                                    <p:set>
+                                      <p:cBhvr>
+                                        <p:cTn id="22" dur="1" fill="hold">
+                                          <p:stCondLst>
+                                            <p:cond delay="0"/>
+                                          </p:stCondLst>
+                                        </p:cTn>
+                                        <p:tgtEl>
+                                          <p:spTgt spid="6">
+                                            <p:txEl>
+                                              <p:pRg st="8" end="8"/>
+                                            </p:txEl>
+                                          </p:spTgt>
+                                        </p:tgtEl>
+                                        <p:attrNameLst>
+                                          <p:attrName>style.visibility</p:attrName>
+                                        </p:attrNameLst>
+                                      </p:cBhvr>
+                                      <p:to>
+                                        <p:strVal val="visible"/>
+                                      </p:to>
+                                    </p:set>
+                                  </p:childTnLst>
+                                </p:cTn>
+                              </p:par>
+                            </p:childTnLst>
+                          </p:cTn>
+                        </p:par>
+                      </p:childTnLst>
+                    </p:cTn>
+                  </p:par>
+                </p:childTnLst>
+              </p:cTn>
+              <p:prevCondLst>
+                <p:cond evt="onPrev" delay="0">
+                  <p:tgtEl>
+                    <p:sldTgt/>
+                  </p:tgtEl>
+                </p:cond>
+              </p:prevCondLst>
+              <p:nextCondLst>
+                <p:cond evt="onNext" delay="0">
+                  <p:tgtEl>
+                    <p:sldTgt/>
+                  </p:tgtEl>
+                </p:cond>
+              </p:nextCondLst>
+            </p:seq>
+          </p:childTnLst>
+        </p:cTn>
+      </p:par>
+    </p:tnLst>
+    <p:bldLst>
+      <p:bldP spid="14" grpId="0" animBg="1"/>
+      <p:bldP spid="15" grpId="0"/>
+      <p:bldP spid="16" grpId="0" animBg="1"/>
+      <p:bldP spid="17" grpId="0"/>
+      <p:bldP spid="18" grpId="0"/>
+    </p:bldLst>
+  </p:timing>
 </p:sld>
 </file>
 
@@ -8271,73 +9138,94 @@
           </p:txBody>
         </p:sp>
       </p:grpSp>
-      <p:pic>
-        <p:nvPicPr>
-          <p:cNvPr id="19" name="Picture 18">
+      <p:grpSp>
+        <p:nvGrpSpPr>
+          <p:cNvPr id="3" name="Group 2">
             <a:extLst>
               <a:ext uri="{FF2B5EF4-FFF2-40B4-BE49-F238E27FC236}">
-                <a16:creationId xmlns:a16="http://schemas.microsoft.com/office/drawing/2014/main" id="{ED5995AB-9874-2C03-99FA-799F2A4598C7}"/>
+                <a16:creationId xmlns:a16="http://schemas.microsoft.com/office/drawing/2014/main" id="{0C0E469F-258E-3767-555C-1F3FAC818354}"/>
               </a:ext>
             </a:extLst>
           </p:cNvPr>
-          <p:cNvPicPr>
-            <a:picLocks noChangeAspect="1"/>
-          </p:cNvPicPr>
+          <p:cNvGrpSpPr/>
           <p:nvPr/>
-        </p:nvPicPr>
-        <p:blipFill>
-          <a:blip r:embed="rId6"/>
-          <a:srcRect l="10964" t="3736" r="9973" b="46681"/>
-          <a:stretch/>
-        </p:blipFill>
-        <p:spPr>
+        </p:nvGrpSpPr>
+        <p:grpSpPr>
           <a:xfrm>
             <a:off x="7003888" y="5040910"/>
-            <a:ext cx="2573836" cy="1216568"/>
+            <a:ext cx="3921171" cy="1216568"/>
+            <a:chOff x="7003888" y="5040910"/>
+            <a:chExt cx="3921171" cy="1216568"/>
           </a:xfrm>
-          <a:prstGeom prst="rect">
-            <a:avLst/>
-          </a:prstGeom>
-        </p:spPr>
-      </p:pic>
-      <p:sp>
-        <p:nvSpPr>
-          <p:cNvPr id="21" name="TextBox 20">
-            <a:extLst>
-              <a:ext uri="{FF2B5EF4-FFF2-40B4-BE49-F238E27FC236}">
-                <a16:creationId xmlns:a16="http://schemas.microsoft.com/office/drawing/2014/main" id="{AC76A7E1-9C6F-9F59-BA69-EE55DEB7A820}"/>
-              </a:ext>
-            </a:extLst>
-          </p:cNvPr>
-          <p:cNvSpPr txBox="1"/>
-          <p:nvPr/>
-        </p:nvSpPr>
-        <p:spPr>
-          <a:xfrm>
-            <a:off x="10225829" y="5356806"/>
-            <a:ext cx="699230" cy="584775"/>
-          </a:xfrm>
-          <a:prstGeom prst="rect">
-            <a:avLst/>
-          </a:prstGeom>
-          <a:noFill/>
-        </p:spPr>
-        <p:txBody>
-          <a:bodyPr wrap="none" rtlCol="0">
-            <a:spAutoFit/>
-          </a:bodyPr>
-          <a:lstStyle/>
-          <a:p>
-            <a:r>
-              <a:rPr lang="en-KW" sz="3200" b="1" dirty="0">
-                <a:latin typeface="Source Sans Pro" panose="020B0503030403020204" pitchFamily="34" charset="0"/>
-              </a:rPr>
-              <a:t>5 0</a:t>
-            </a:r>
-            <a:endParaRPr lang="en-KW" sz="3200" b="1" dirty="0"/>
-          </a:p>
-        </p:txBody>
-      </p:sp>
+        </p:grpSpPr>
+        <p:pic>
+          <p:nvPicPr>
+            <p:cNvPr id="19" name="Picture 18">
+              <a:extLst>
+                <a:ext uri="{FF2B5EF4-FFF2-40B4-BE49-F238E27FC236}">
+                  <a16:creationId xmlns:a16="http://schemas.microsoft.com/office/drawing/2014/main" id="{ED5995AB-9874-2C03-99FA-799F2A4598C7}"/>
+                </a:ext>
+              </a:extLst>
+            </p:cNvPr>
+            <p:cNvPicPr>
+              <a:picLocks noChangeAspect="1"/>
+            </p:cNvPicPr>
+            <p:nvPr/>
+          </p:nvPicPr>
+          <p:blipFill>
+            <a:blip r:embed="rId6"/>
+            <a:srcRect l="10964" t="3736" r="9973" b="46681"/>
+            <a:stretch/>
+          </p:blipFill>
+          <p:spPr>
+            <a:xfrm>
+              <a:off x="7003888" y="5040910"/>
+              <a:ext cx="2573836" cy="1216568"/>
+            </a:xfrm>
+            <a:prstGeom prst="rect">
+              <a:avLst/>
+            </a:prstGeom>
+          </p:spPr>
+        </p:pic>
+        <p:sp>
+          <p:nvSpPr>
+            <p:cNvPr id="21" name="TextBox 20">
+              <a:extLst>
+                <a:ext uri="{FF2B5EF4-FFF2-40B4-BE49-F238E27FC236}">
+                  <a16:creationId xmlns:a16="http://schemas.microsoft.com/office/drawing/2014/main" id="{AC76A7E1-9C6F-9F59-BA69-EE55DEB7A820}"/>
+                </a:ext>
+              </a:extLst>
+            </p:cNvPr>
+            <p:cNvSpPr txBox="1"/>
+            <p:nvPr/>
+          </p:nvSpPr>
+          <p:spPr>
+            <a:xfrm>
+              <a:off x="10225829" y="5356806"/>
+              <a:ext cx="699230" cy="584775"/>
+            </a:xfrm>
+            <a:prstGeom prst="rect">
+              <a:avLst/>
+            </a:prstGeom>
+            <a:noFill/>
+          </p:spPr>
+          <p:txBody>
+            <a:bodyPr wrap="none" rtlCol="0">
+              <a:spAutoFit/>
+            </a:bodyPr>
+            <a:lstStyle/>
+            <a:p>
+              <a:r>
+                <a:rPr lang="en-KW" sz="3200" b="1" dirty="0">
+                  <a:latin typeface="Source Sans Pro" panose="020B0503030403020204" pitchFamily="34" charset="0"/>
+                </a:rPr>
+                <a:t>5 0</a:t>
+              </a:r>
+              <a:endParaRPr lang="en-KW" sz="3200" b="1" dirty="0"/>
+            </a:p>
+          </p:txBody>
+        </p:sp>
+      </p:grpSp>
     </p:spTree>
     <p:extLst>
       <p:ext uri="{BB962C8B-B14F-4D97-AF65-F5344CB8AC3E}">
@@ -8348,6 +9236,267 @@
   <p:clrMapOvr>
     <a:masterClrMapping/>
   </p:clrMapOvr>
+  <p:timing>
+    <p:tnLst>
+      <p:par>
+        <p:cTn id="1" dur="indefinite" restart="never" nodeType="tmRoot">
+          <p:childTnLst>
+            <p:seq concurrent="1" nextAc="seek">
+              <p:cTn id="2" dur="indefinite" nodeType="mainSeq">
+                <p:childTnLst>
+                  <p:par>
+                    <p:cTn id="3" fill="hold">
+                      <p:stCondLst>
+                        <p:cond delay="indefinite"/>
+                      </p:stCondLst>
+                      <p:childTnLst>
+                        <p:par>
+                          <p:cTn id="4" fill="hold">
+                            <p:stCondLst>
+                              <p:cond delay="0"/>
+                            </p:stCondLst>
+                            <p:childTnLst>
+                              <p:par>
+                                <p:cTn id="5" presetID="1" presetClass="entr" presetSubtype="0" fill="hold" grpId="0" nodeType="clickEffect">
+                                  <p:stCondLst>
+                                    <p:cond delay="0"/>
+                                  </p:stCondLst>
+                                  <p:childTnLst>
+                                    <p:set>
+                                      <p:cBhvr>
+                                        <p:cTn id="6" dur="1" fill="hold">
+                                          <p:stCondLst>
+                                            <p:cond delay="0"/>
+                                          </p:stCondLst>
+                                        </p:cTn>
+                                        <p:tgtEl>
+                                          <p:spTgt spid="6">
+                                            <p:txEl>
+                                              <p:pRg st="0" end="0"/>
+                                            </p:txEl>
+                                          </p:spTgt>
+                                        </p:tgtEl>
+                                        <p:attrNameLst>
+                                          <p:attrName>style.visibility</p:attrName>
+                                        </p:attrNameLst>
+                                      </p:cBhvr>
+                                      <p:to>
+                                        <p:strVal val="visible"/>
+                                      </p:to>
+                                    </p:set>
+                                  </p:childTnLst>
+                                </p:cTn>
+                              </p:par>
+                              <p:par>
+                                <p:cTn id="7" presetID="1" presetClass="entr" presetSubtype="0" fill="hold" nodeType="withEffect">
+                                  <p:stCondLst>
+                                    <p:cond delay="0"/>
+                                  </p:stCondLst>
+                                  <p:childTnLst>
+                                    <p:set>
+                                      <p:cBhvr>
+                                        <p:cTn id="8" dur="1" fill="hold">
+                                          <p:stCondLst>
+                                            <p:cond delay="0"/>
+                                          </p:stCondLst>
+                                        </p:cTn>
+                                        <p:tgtEl>
+                                          <p:spTgt spid="5"/>
+                                        </p:tgtEl>
+                                        <p:attrNameLst>
+                                          <p:attrName>style.visibility</p:attrName>
+                                        </p:attrNameLst>
+                                      </p:cBhvr>
+                                      <p:to>
+                                        <p:strVal val="visible"/>
+                                      </p:to>
+                                    </p:set>
+                                  </p:childTnLst>
+                                </p:cTn>
+                              </p:par>
+                            </p:childTnLst>
+                          </p:cTn>
+                        </p:par>
+                      </p:childTnLst>
+                    </p:cTn>
+                  </p:par>
+                  <p:par>
+                    <p:cTn id="9" fill="hold">
+                      <p:stCondLst>
+                        <p:cond delay="indefinite"/>
+                      </p:stCondLst>
+                      <p:childTnLst>
+                        <p:par>
+                          <p:cTn id="10" fill="hold">
+                            <p:stCondLst>
+                              <p:cond delay="0"/>
+                            </p:stCondLst>
+                            <p:childTnLst>
+                              <p:par>
+                                <p:cTn id="11" presetID="1" presetClass="entr" presetSubtype="0" fill="hold" grpId="0" nodeType="clickEffect">
+                                  <p:stCondLst>
+                                    <p:cond delay="0"/>
+                                  </p:stCondLst>
+                                  <p:childTnLst>
+                                    <p:set>
+                                      <p:cBhvr>
+                                        <p:cTn id="12" dur="1" fill="hold">
+                                          <p:stCondLst>
+                                            <p:cond delay="0"/>
+                                          </p:stCondLst>
+                                        </p:cTn>
+                                        <p:tgtEl>
+                                          <p:spTgt spid="6">
+                                            <p:txEl>
+                                              <p:pRg st="1" end="1"/>
+                                            </p:txEl>
+                                          </p:spTgt>
+                                        </p:tgtEl>
+                                        <p:attrNameLst>
+                                          <p:attrName>style.visibility</p:attrName>
+                                        </p:attrNameLst>
+                                      </p:cBhvr>
+                                      <p:to>
+                                        <p:strVal val="visible"/>
+                                      </p:to>
+                                    </p:set>
+                                  </p:childTnLst>
+                                </p:cTn>
+                              </p:par>
+                              <p:par>
+                                <p:cTn id="13" presetID="1" presetClass="entr" presetSubtype="0" fill="hold" nodeType="withEffect">
+                                  <p:stCondLst>
+                                    <p:cond delay="0"/>
+                                  </p:stCondLst>
+                                  <p:childTnLst>
+                                    <p:set>
+                                      <p:cBhvr>
+                                        <p:cTn id="14" dur="1" fill="hold">
+                                          <p:stCondLst>
+                                            <p:cond delay="0"/>
+                                          </p:stCondLst>
+                                        </p:cTn>
+                                        <p:tgtEl>
+                                          <p:spTgt spid="4"/>
+                                        </p:tgtEl>
+                                        <p:attrNameLst>
+                                          <p:attrName>style.visibility</p:attrName>
+                                        </p:attrNameLst>
+                                      </p:cBhvr>
+                                      <p:to>
+                                        <p:strVal val="visible"/>
+                                      </p:to>
+                                    </p:set>
+                                  </p:childTnLst>
+                                </p:cTn>
+                              </p:par>
+                            </p:childTnLst>
+                          </p:cTn>
+                        </p:par>
+                      </p:childTnLst>
+                    </p:cTn>
+                  </p:par>
+                  <p:par>
+                    <p:cTn id="15" fill="hold">
+                      <p:stCondLst>
+                        <p:cond delay="indefinite"/>
+                      </p:stCondLst>
+                      <p:childTnLst>
+                        <p:par>
+                          <p:cTn id="16" fill="hold">
+                            <p:stCondLst>
+                              <p:cond delay="0"/>
+                            </p:stCondLst>
+                            <p:childTnLst>
+                              <p:par>
+                                <p:cTn id="17" presetID="1" presetClass="entr" presetSubtype="0" fill="hold" grpId="0" nodeType="clickEffect">
+                                  <p:stCondLst>
+                                    <p:cond delay="0"/>
+                                  </p:stCondLst>
+                                  <p:childTnLst>
+                                    <p:set>
+                                      <p:cBhvr>
+                                        <p:cTn id="18" dur="1" fill="hold">
+                                          <p:stCondLst>
+                                            <p:cond delay="0"/>
+                                          </p:stCondLst>
+                                        </p:cTn>
+                                        <p:tgtEl>
+                                          <p:spTgt spid="6">
+                                            <p:txEl>
+                                              <p:pRg st="2" end="2"/>
+                                            </p:txEl>
+                                          </p:spTgt>
+                                        </p:tgtEl>
+                                        <p:attrNameLst>
+                                          <p:attrName>style.visibility</p:attrName>
+                                        </p:attrNameLst>
+                                      </p:cBhvr>
+                                      <p:to>
+                                        <p:strVal val="visible"/>
+                                      </p:to>
+                                    </p:set>
+                                  </p:childTnLst>
+                                </p:cTn>
+                              </p:par>
+                              <p:par>
+                                <p:cTn id="19" presetID="1" presetClass="entr" presetSubtype="0" fill="hold" nodeType="withEffect">
+                                  <p:stCondLst>
+                                    <p:cond delay="0"/>
+                                  </p:stCondLst>
+                                  <p:childTnLst>
+                                    <p:set>
+                                      <p:cBhvr>
+                                        <p:cTn id="20" dur="1" fill="hold">
+                                          <p:stCondLst>
+                                            <p:cond delay="0"/>
+                                          </p:stCondLst>
+                                        </p:cTn>
+                                        <p:tgtEl>
+                                          <p:spTgt spid="3"/>
+                                        </p:tgtEl>
+                                        <p:attrNameLst>
+                                          <p:attrName>style.visibility</p:attrName>
+                                        </p:attrNameLst>
+                                      </p:cBhvr>
+                                      <p:to>
+                                        <p:strVal val="visible"/>
+                                      </p:to>
+                                    </p:set>
+                                  </p:childTnLst>
+                                </p:cTn>
+                              </p:par>
+                            </p:childTnLst>
+                          </p:cTn>
+                        </p:par>
+                      </p:childTnLst>
+                    </p:cTn>
+                  </p:par>
+                </p:childTnLst>
+              </p:cTn>
+              <p:prevCondLst>
+                <p:cond evt="onPrev" delay="0">
+                  <p:tgtEl>
+                    <p:sldTgt/>
+                  </p:tgtEl>
+                </p:cond>
+              </p:prevCondLst>
+              <p:nextCondLst>
+                <p:cond evt="onNext" delay="0">
+                  <p:tgtEl>
+                    <p:sldTgt/>
+                  </p:tgtEl>
+                </p:cond>
+              </p:nextCondLst>
+            </p:seq>
+          </p:childTnLst>
+        </p:cTn>
+      </p:par>
+    </p:tnLst>
+    <p:bldLst>
+      <p:bldP spid="6" grpId="0" uiExpand="1" build="p"/>
+    </p:bldLst>
+  </p:timing>
 </p:sld>
 </file>
 
@@ -9945,6 +11094,307 @@
   <p:clrMapOvr>
     <a:masterClrMapping/>
   </p:clrMapOvr>
+  <p:timing>
+    <p:tnLst>
+      <p:par>
+        <p:cTn id="1" dur="indefinite" restart="never" nodeType="tmRoot">
+          <p:childTnLst>
+            <p:seq concurrent="1" nextAc="seek">
+              <p:cTn id="2" dur="indefinite" nodeType="mainSeq">
+                <p:childTnLst>
+                  <p:par>
+                    <p:cTn id="3" fill="hold">
+                      <p:stCondLst>
+                        <p:cond delay="indefinite"/>
+                      </p:stCondLst>
+                      <p:childTnLst>
+                        <p:par>
+                          <p:cTn id="4" fill="hold">
+                            <p:stCondLst>
+                              <p:cond delay="0"/>
+                            </p:stCondLst>
+                            <p:childTnLst>
+                              <p:par>
+                                <p:cTn id="5" presetID="1" presetClass="entr" presetSubtype="0" fill="hold" grpId="0" nodeType="clickEffect">
+                                  <p:stCondLst>
+                                    <p:cond delay="0"/>
+                                  </p:stCondLst>
+                                  <p:childTnLst>
+                                    <p:set>
+                                      <p:cBhvr>
+                                        <p:cTn id="6" dur="1" fill="hold">
+                                          <p:stCondLst>
+                                            <p:cond delay="0"/>
+                                          </p:stCondLst>
+                                        </p:cTn>
+                                        <p:tgtEl>
+                                          <p:spTgt spid="3">
+                                            <p:txEl>
+                                              <p:pRg st="0" end="0"/>
+                                            </p:txEl>
+                                          </p:spTgt>
+                                        </p:tgtEl>
+                                        <p:attrNameLst>
+                                          <p:attrName>style.visibility</p:attrName>
+                                        </p:attrNameLst>
+                                      </p:cBhvr>
+                                      <p:to>
+                                        <p:strVal val="visible"/>
+                                      </p:to>
+                                    </p:set>
+                                  </p:childTnLst>
+                                </p:cTn>
+                              </p:par>
+                              <p:par>
+                                <p:cTn id="7" presetID="1" presetClass="entr" presetSubtype="0" fill="hold" nodeType="withEffect">
+                                  <p:stCondLst>
+                                    <p:cond delay="0"/>
+                                  </p:stCondLst>
+                                  <p:childTnLst>
+                                    <p:set>
+                                      <p:cBhvr>
+                                        <p:cTn id="8" dur="1" fill="hold">
+                                          <p:stCondLst>
+                                            <p:cond delay="0"/>
+                                          </p:stCondLst>
+                                        </p:cTn>
+                                        <p:tgtEl>
+                                          <p:spTgt spid="12"/>
+                                        </p:tgtEl>
+                                        <p:attrNameLst>
+                                          <p:attrName>style.visibility</p:attrName>
+                                        </p:attrNameLst>
+                                      </p:cBhvr>
+                                      <p:to>
+                                        <p:strVal val="visible"/>
+                                      </p:to>
+                                    </p:set>
+                                  </p:childTnLst>
+                                </p:cTn>
+                              </p:par>
+                            </p:childTnLst>
+                          </p:cTn>
+                        </p:par>
+                      </p:childTnLst>
+                    </p:cTn>
+                  </p:par>
+                  <p:par>
+                    <p:cTn id="9" fill="hold">
+                      <p:stCondLst>
+                        <p:cond delay="indefinite"/>
+                      </p:stCondLst>
+                      <p:childTnLst>
+                        <p:par>
+                          <p:cTn id="10" fill="hold">
+                            <p:stCondLst>
+                              <p:cond delay="0"/>
+                            </p:stCondLst>
+                            <p:childTnLst>
+                              <p:par>
+                                <p:cTn id="11" presetID="1" presetClass="entr" presetSubtype="0" fill="hold" grpId="0" nodeType="clickEffect">
+                                  <p:stCondLst>
+                                    <p:cond delay="0"/>
+                                  </p:stCondLst>
+                                  <p:childTnLst>
+                                    <p:set>
+                                      <p:cBhvr>
+                                        <p:cTn id="12" dur="1" fill="hold">
+                                          <p:stCondLst>
+                                            <p:cond delay="0"/>
+                                          </p:stCondLst>
+                                        </p:cTn>
+                                        <p:tgtEl>
+                                          <p:spTgt spid="14"/>
+                                        </p:tgtEl>
+                                        <p:attrNameLst>
+                                          <p:attrName>style.visibility</p:attrName>
+                                        </p:attrNameLst>
+                                      </p:cBhvr>
+                                      <p:to>
+                                        <p:strVal val="visible"/>
+                                      </p:to>
+                                    </p:set>
+                                  </p:childTnLst>
+                                </p:cTn>
+                              </p:par>
+                              <p:par>
+                                <p:cTn id="13" presetID="1" presetClass="entr" presetSubtype="0" fill="hold" nodeType="withEffect">
+                                  <p:stCondLst>
+                                    <p:cond delay="0"/>
+                                  </p:stCondLst>
+                                  <p:childTnLst>
+                                    <p:set>
+                                      <p:cBhvr>
+                                        <p:cTn id="14" dur="1" fill="hold">
+                                          <p:stCondLst>
+                                            <p:cond delay="0"/>
+                                          </p:stCondLst>
+                                        </p:cTn>
+                                        <p:tgtEl>
+                                          <p:spTgt spid="8"/>
+                                        </p:tgtEl>
+                                        <p:attrNameLst>
+                                          <p:attrName>style.visibility</p:attrName>
+                                        </p:attrNameLst>
+                                      </p:cBhvr>
+                                      <p:to>
+                                        <p:strVal val="visible"/>
+                                      </p:to>
+                                    </p:set>
+                                  </p:childTnLst>
+                                </p:cTn>
+                              </p:par>
+                            </p:childTnLst>
+                          </p:cTn>
+                        </p:par>
+                      </p:childTnLst>
+                    </p:cTn>
+                  </p:par>
+                  <p:par>
+                    <p:cTn id="15" fill="hold">
+                      <p:stCondLst>
+                        <p:cond delay="indefinite"/>
+                      </p:stCondLst>
+                      <p:childTnLst>
+                        <p:par>
+                          <p:cTn id="16" fill="hold">
+                            <p:stCondLst>
+                              <p:cond delay="0"/>
+                            </p:stCondLst>
+                            <p:childTnLst>
+                              <p:par>
+                                <p:cTn id="17" presetID="1" presetClass="entr" presetSubtype="0" fill="hold" grpId="0" nodeType="clickEffect">
+                                  <p:stCondLst>
+                                    <p:cond delay="0"/>
+                                  </p:stCondLst>
+                                  <p:childTnLst>
+                                    <p:set>
+                                      <p:cBhvr>
+                                        <p:cTn id="18" dur="1" fill="hold">
+                                          <p:stCondLst>
+                                            <p:cond delay="0"/>
+                                          </p:stCondLst>
+                                        </p:cTn>
+                                        <p:tgtEl>
+                                          <p:spTgt spid="15"/>
+                                        </p:tgtEl>
+                                        <p:attrNameLst>
+                                          <p:attrName>style.visibility</p:attrName>
+                                        </p:attrNameLst>
+                                      </p:cBhvr>
+                                      <p:to>
+                                        <p:strVal val="visible"/>
+                                      </p:to>
+                                    </p:set>
+                                  </p:childTnLst>
+                                </p:cTn>
+                              </p:par>
+                              <p:par>
+                                <p:cTn id="19" presetID="1" presetClass="entr" presetSubtype="0" fill="hold" nodeType="withEffect">
+                                  <p:stCondLst>
+                                    <p:cond delay="0"/>
+                                  </p:stCondLst>
+                                  <p:childTnLst>
+                                    <p:set>
+                                      <p:cBhvr>
+                                        <p:cTn id="20" dur="1" fill="hold">
+                                          <p:stCondLst>
+                                            <p:cond delay="0"/>
+                                          </p:stCondLst>
+                                        </p:cTn>
+                                        <p:tgtEl>
+                                          <p:spTgt spid="16"/>
+                                        </p:tgtEl>
+                                        <p:attrNameLst>
+                                          <p:attrName>style.visibility</p:attrName>
+                                        </p:attrNameLst>
+                                      </p:cBhvr>
+                                      <p:to>
+                                        <p:strVal val="visible"/>
+                                      </p:to>
+                                    </p:set>
+                                  </p:childTnLst>
+                                </p:cTn>
+                              </p:par>
+                            </p:childTnLst>
+                          </p:cTn>
+                        </p:par>
+                      </p:childTnLst>
+                    </p:cTn>
+                  </p:par>
+                  <p:par>
+                    <p:cTn id="21" fill="hold">
+                      <p:stCondLst>
+                        <p:cond delay="indefinite"/>
+                      </p:stCondLst>
+                      <p:childTnLst>
+                        <p:par>
+                          <p:cTn id="22" fill="hold">
+                            <p:stCondLst>
+                              <p:cond delay="0"/>
+                            </p:stCondLst>
+                            <p:childTnLst>
+                              <p:par>
+                                <p:cTn id="23" presetID="1" presetClass="entr" presetSubtype="0" fill="hold" grpId="0" nodeType="clickEffect">
+                                  <p:stCondLst>
+                                    <p:cond delay="0"/>
+                                  </p:stCondLst>
+                                  <p:childTnLst>
+                                    <p:set>
+                                      <p:cBhvr>
+                                        <p:cTn id="24" dur="1" fill="hold">
+                                          <p:stCondLst>
+                                            <p:cond delay="0"/>
+                                          </p:stCondLst>
+                                        </p:cTn>
+                                        <p:tgtEl>
+                                          <p:spTgt spid="17"/>
+                                        </p:tgtEl>
+                                        <p:attrNameLst>
+                                          <p:attrName>style.visibility</p:attrName>
+                                        </p:attrNameLst>
+                                      </p:cBhvr>
+                                      <p:to>
+                                        <p:strVal val="visible"/>
+                                      </p:to>
+                                    </p:set>
+                                  </p:childTnLst>
+                                </p:cTn>
+                              </p:par>
+                            </p:childTnLst>
+                          </p:cTn>
+                        </p:par>
+                      </p:childTnLst>
+                    </p:cTn>
+                  </p:par>
+                </p:childTnLst>
+              </p:cTn>
+              <p:prevCondLst>
+                <p:cond evt="onPrev" delay="0">
+                  <p:tgtEl>
+                    <p:sldTgt/>
+                  </p:tgtEl>
+                </p:cond>
+              </p:prevCondLst>
+              <p:nextCondLst>
+                <p:cond evt="onNext" delay="0">
+                  <p:tgtEl>
+                    <p:sldTgt/>
+                  </p:tgtEl>
+                </p:cond>
+              </p:nextCondLst>
+            </p:seq>
+          </p:childTnLst>
+        </p:cTn>
+      </p:par>
+    </p:tnLst>
+    <p:bldLst>
+      <p:bldP spid="3" grpId="0" build="p"/>
+      <p:bldP spid="14" grpId="0"/>
+      <p:bldP spid="15" grpId="0"/>
+      <p:bldP spid="17" grpId="0"/>
+    </p:bldLst>
+  </p:timing>
 </p:sld>
 </file>
 
@@ -10143,6 +11593,289 @@
   <p:clrMapOvr>
     <a:masterClrMapping/>
   </p:clrMapOvr>
+  <p:timing>
+    <p:tnLst>
+      <p:par>
+        <p:cTn id="1" dur="indefinite" restart="never" nodeType="tmRoot">
+          <p:childTnLst>
+            <p:seq concurrent="1" nextAc="seek">
+              <p:cTn id="2" dur="indefinite" nodeType="mainSeq">
+                <p:childTnLst>
+                  <p:par>
+                    <p:cTn id="3" fill="hold">
+                      <p:stCondLst>
+                        <p:cond delay="indefinite"/>
+                      </p:stCondLst>
+                      <p:childTnLst>
+                        <p:par>
+                          <p:cTn id="4" fill="hold">
+                            <p:stCondLst>
+                              <p:cond delay="0"/>
+                            </p:stCondLst>
+                            <p:childTnLst>
+                              <p:par>
+                                <p:cTn id="5" presetID="1" presetClass="entr" presetSubtype="0" fill="hold" grpId="0" nodeType="clickEffect">
+                                  <p:stCondLst>
+                                    <p:cond delay="0"/>
+                                  </p:stCondLst>
+                                  <p:childTnLst>
+                                    <p:set>
+                                      <p:cBhvr>
+                                        <p:cTn id="6" dur="1" fill="hold">
+                                          <p:stCondLst>
+                                            <p:cond delay="0"/>
+                                          </p:stCondLst>
+                                        </p:cTn>
+                                        <p:tgtEl>
+                                          <p:spTgt spid="3">
+                                            <p:txEl>
+                                              <p:pRg st="0" end="0"/>
+                                            </p:txEl>
+                                          </p:spTgt>
+                                        </p:tgtEl>
+                                        <p:attrNameLst>
+                                          <p:attrName>style.visibility</p:attrName>
+                                        </p:attrNameLst>
+                                      </p:cBhvr>
+                                      <p:to>
+                                        <p:strVal val="visible"/>
+                                      </p:to>
+                                    </p:set>
+                                  </p:childTnLst>
+                                </p:cTn>
+                              </p:par>
+                              <p:par>
+                                <p:cTn id="7" presetID="1" presetClass="entr" presetSubtype="0" fill="hold" nodeType="withEffect">
+                                  <p:stCondLst>
+                                    <p:cond delay="0"/>
+                                  </p:stCondLst>
+                                  <p:childTnLst>
+                                    <p:set>
+                                      <p:cBhvr>
+                                        <p:cTn id="8" dur="1" fill="hold">
+                                          <p:stCondLst>
+                                            <p:cond delay="0"/>
+                                          </p:stCondLst>
+                                        </p:cTn>
+                                        <p:tgtEl>
+                                          <p:spTgt spid="4"/>
+                                        </p:tgtEl>
+                                        <p:attrNameLst>
+                                          <p:attrName>style.visibility</p:attrName>
+                                        </p:attrNameLst>
+                                      </p:cBhvr>
+                                      <p:to>
+                                        <p:strVal val="visible"/>
+                                      </p:to>
+                                    </p:set>
+                                  </p:childTnLst>
+                                </p:cTn>
+                              </p:par>
+                            </p:childTnLst>
+                          </p:cTn>
+                        </p:par>
+                      </p:childTnLst>
+                    </p:cTn>
+                  </p:par>
+                  <p:par>
+                    <p:cTn id="9" fill="hold">
+                      <p:stCondLst>
+                        <p:cond delay="indefinite"/>
+                      </p:stCondLst>
+                      <p:childTnLst>
+                        <p:par>
+                          <p:cTn id="10" fill="hold">
+                            <p:stCondLst>
+                              <p:cond delay="0"/>
+                            </p:stCondLst>
+                            <p:childTnLst>
+                              <p:par>
+                                <p:cTn id="11" presetID="1" presetClass="entr" presetSubtype="0" fill="hold" grpId="0" nodeType="clickEffect">
+                                  <p:stCondLst>
+                                    <p:cond delay="0"/>
+                                  </p:stCondLst>
+                                  <p:childTnLst>
+                                    <p:set>
+                                      <p:cBhvr>
+                                        <p:cTn id="12" dur="1" fill="hold">
+                                          <p:stCondLst>
+                                            <p:cond delay="0"/>
+                                          </p:stCondLst>
+                                        </p:cTn>
+                                        <p:tgtEl>
+                                          <p:spTgt spid="3">
+                                            <p:txEl>
+                                              <p:pRg st="1" end="1"/>
+                                            </p:txEl>
+                                          </p:spTgt>
+                                        </p:tgtEl>
+                                        <p:attrNameLst>
+                                          <p:attrName>style.visibility</p:attrName>
+                                        </p:attrNameLst>
+                                      </p:cBhvr>
+                                      <p:to>
+                                        <p:strVal val="visible"/>
+                                      </p:to>
+                                    </p:set>
+                                  </p:childTnLst>
+                                </p:cTn>
+                              </p:par>
+                            </p:childTnLst>
+                          </p:cTn>
+                        </p:par>
+                      </p:childTnLst>
+                    </p:cTn>
+                  </p:par>
+                  <p:par>
+                    <p:cTn id="13" fill="hold">
+                      <p:stCondLst>
+                        <p:cond delay="indefinite"/>
+                      </p:stCondLst>
+                      <p:childTnLst>
+                        <p:par>
+                          <p:cTn id="14" fill="hold">
+                            <p:stCondLst>
+                              <p:cond delay="0"/>
+                            </p:stCondLst>
+                            <p:childTnLst>
+                              <p:par>
+                                <p:cTn id="15" presetID="1" presetClass="entr" presetSubtype="0" fill="hold" grpId="0" nodeType="clickEffect">
+                                  <p:stCondLst>
+                                    <p:cond delay="0"/>
+                                  </p:stCondLst>
+                                  <p:childTnLst>
+                                    <p:set>
+                                      <p:cBhvr>
+                                        <p:cTn id="16" dur="1" fill="hold">
+                                          <p:stCondLst>
+                                            <p:cond delay="0"/>
+                                          </p:stCondLst>
+                                        </p:cTn>
+                                        <p:tgtEl>
+                                          <p:spTgt spid="3">
+                                            <p:txEl>
+                                              <p:pRg st="2" end="2"/>
+                                            </p:txEl>
+                                          </p:spTgt>
+                                        </p:tgtEl>
+                                        <p:attrNameLst>
+                                          <p:attrName>style.visibility</p:attrName>
+                                        </p:attrNameLst>
+                                      </p:cBhvr>
+                                      <p:to>
+                                        <p:strVal val="visible"/>
+                                      </p:to>
+                                    </p:set>
+                                  </p:childTnLst>
+                                </p:cTn>
+                              </p:par>
+                              <p:par>
+                                <p:cTn id="17" presetID="1" presetClass="entr" presetSubtype="0" fill="hold" nodeType="withEffect">
+                                  <p:stCondLst>
+                                    <p:cond delay="0"/>
+                                  </p:stCondLst>
+                                  <p:childTnLst>
+                                    <p:set>
+                                      <p:cBhvr>
+                                        <p:cTn id="18" dur="1" fill="hold">
+                                          <p:stCondLst>
+                                            <p:cond delay="0"/>
+                                          </p:stCondLst>
+                                        </p:cTn>
+                                        <p:tgtEl>
+                                          <p:spTgt spid="5"/>
+                                        </p:tgtEl>
+                                        <p:attrNameLst>
+                                          <p:attrName>style.visibility</p:attrName>
+                                        </p:attrNameLst>
+                                      </p:cBhvr>
+                                      <p:to>
+                                        <p:strVal val="visible"/>
+                                      </p:to>
+                                    </p:set>
+                                  </p:childTnLst>
+                                </p:cTn>
+                              </p:par>
+                            </p:childTnLst>
+                          </p:cTn>
+                        </p:par>
+                      </p:childTnLst>
+                    </p:cTn>
+                  </p:par>
+                  <p:par>
+                    <p:cTn id="19" fill="hold">
+                      <p:stCondLst>
+                        <p:cond delay="indefinite"/>
+                      </p:stCondLst>
+                      <p:childTnLst>
+                        <p:par>
+                          <p:cTn id="20" fill="hold">
+                            <p:stCondLst>
+                              <p:cond delay="0"/>
+                            </p:stCondLst>
+                            <p:childTnLst>
+                              <p:par>
+                                <p:cTn id="21" presetID="1" presetClass="entr" presetSubtype="0" fill="hold" grpId="0" nodeType="clickEffect">
+                                  <p:stCondLst>
+                                    <p:cond delay="0"/>
+                                  </p:stCondLst>
+                                  <p:childTnLst>
+                                    <p:set>
+                                      <p:cBhvr>
+                                        <p:cTn id="22" dur="1" fill="hold">
+                                          <p:stCondLst>
+                                            <p:cond delay="0"/>
+                                          </p:stCondLst>
+                                        </p:cTn>
+                                        <p:tgtEl>
+                                          <p:spTgt spid="3">
+                                            <p:txEl>
+                                              <p:pRg st="3" end="3"/>
+                                            </p:txEl>
+                                          </p:spTgt>
+                                        </p:tgtEl>
+                                        <p:attrNameLst>
+                                          <p:attrName>style.visibility</p:attrName>
+                                        </p:attrNameLst>
+                                      </p:cBhvr>
+                                      <p:to>
+                                        <p:strVal val="visible"/>
+                                      </p:to>
+                                    </p:set>
+                                  </p:childTnLst>
+                                </p:cTn>
+                              </p:par>
+                            </p:childTnLst>
+                          </p:cTn>
+                        </p:par>
+                      </p:childTnLst>
+                    </p:cTn>
+                  </p:par>
+                </p:childTnLst>
+              </p:cTn>
+              <p:prevCondLst>
+                <p:cond evt="onPrev" delay="0">
+                  <p:tgtEl>
+                    <p:sldTgt/>
+                  </p:tgtEl>
+                </p:cond>
+              </p:prevCondLst>
+              <p:nextCondLst>
+                <p:cond evt="onNext" delay="0">
+                  <p:tgtEl>
+                    <p:sldTgt/>
+                  </p:tgtEl>
+                </p:cond>
+              </p:nextCondLst>
+            </p:seq>
+          </p:childTnLst>
+        </p:cTn>
+      </p:par>
+    </p:tnLst>
+    <p:bldLst>
+      <p:bldP spid="3" grpId="0" uiExpand="1" build="p"/>
+    </p:bldLst>
+  </p:timing>
 </p:sld>
 </file>
 
@@ -11016,6 +12749,423 @@
   <p:clrMapOvr>
     <a:masterClrMapping/>
   </p:clrMapOvr>
+  <p:timing>
+    <p:tnLst>
+      <p:par>
+        <p:cTn id="1" dur="indefinite" restart="never" nodeType="tmRoot">
+          <p:childTnLst>
+            <p:seq concurrent="1" nextAc="seek">
+              <p:cTn id="2" dur="indefinite" nodeType="mainSeq">
+                <p:childTnLst>
+                  <p:par>
+                    <p:cTn id="3" fill="hold">
+                      <p:stCondLst>
+                        <p:cond delay="indefinite"/>
+                      </p:stCondLst>
+                      <p:childTnLst>
+                        <p:par>
+                          <p:cTn id="4" fill="hold">
+                            <p:stCondLst>
+                              <p:cond delay="0"/>
+                            </p:stCondLst>
+                            <p:childTnLst>
+                              <p:par>
+                                <p:cTn id="5" presetID="1" presetClass="entr" presetSubtype="0" fill="hold" grpId="0" nodeType="clickEffect">
+                                  <p:stCondLst>
+                                    <p:cond delay="0"/>
+                                  </p:stCondLst>
+                                  <p:childTnLst>
+                                    <p:set>
+                                      <p:cBhvr>
+                                        <p:cTn id="6" dur="1" fill="hold">
+                                          <p:stCondLst>
+                                            <p:cond delay="0"/>
+                                          </p:stCondLst>
+                                        </p:cTn>
+                                        <p:tgtEl>
+                                          <p:spTgt spid="8"/>
+                                        </p:tgtEl>
+                                        <p:attrNameLst>
+                                          <p:attrName>style.visibility</p:attrName>
+                                        </p:attrNameLst>
+                                      </p:cBhvr>
+                                      <p:to>
+                                        <p:strVal val="visible"/>
+                                      </p:to>
+                                    </p:set>
+                                  </p:childTnLst>
+                                </p:cTn>
+                              </p:par>
+                            </p:childTnLst>
+                          </p:cTn>
+                        </p:par>
+                      </p:childTnLst>
+                    </p:cTn>
+                  </p:par>
+                  <p:par>
+                    <p:cTn id="7" fill="hold">
+                      <p:stCondLst>
+                        <p:cond delay="indefinite"/>
+                      </p:stCondLst>
+                      <p:childTnLst>
+                        <p:par>
+                          <p:cTn id="8" fill="hold">
+                            <p:stCondLst>
+                              <p:cond delay="0"/>
+                            </p:stCondLst>
+                            <p:childTnLst>
+                              <p:par>
+                                <p:cTn id="9" presetID="1" presetClass="entr" presetSubtype="0" fill="hold" grpId="0" nodeType="clickEffect">
+                                  <p:stCondLst>
+                                    <p:cond delay="0"/>
+                                  </p:stCondLst>
+                                  <p:childTnLst>
+                                    <p:set>
+                                      <p:cBhvr>
+                                        <p:cTn id="10" dur="1" fill="hold">
+                                          <p:stCondLst>
+                                            <p:cond delay="0"/>
+                                          </p:stCondLst>
+                                        </p:cTn>
+                                        <p:tgtEl>
+                                          <p:spTgt spid="37"/>
+                                        </p:tgtEl>
+                                        <p:attrNameLst>
+                                          <p:attrName>style.visibility</p:attrName>
+                                        </p:attrNameLst>
+                                      </p:cBhvr>
+                                      <p:to>
+                                        <p:strVal val="visible"/>
+                                      </p:to>
+                                    </p:set>
+                                  </p:childTnLst>
+                                </p:cTn>
+                              </p:par>
+                            </p:childTnLst>
+                          </p:cTn>
+                        </p:par>
+                      </p:childTnLst>
+                    </p:cTn>
+                  </p:par>
+                  <p:par>
+                    <p:cTn id="11" fill="hold">
+                      <p:stCondLst>
+                        <p:cond delay="indefinite"/>
+                      </p:stCondLst>
+                      <p:childTnLst>
+                        <p:par>
+                          <p:cTn id="12" fill="hold">
+                            <p:stCondLst>
+                              <p:cond delay="0"/>
+                            </p:stCondLst>
+                            <p:childTnLst>
+                              <p:par>
+                                <p:cTn id="13" presetID="1" presetClass="entr" presetSubtype="0" fill="hold" nodeType="clickEffect">
+                                  <p:stCondLst>
+                                    <p:cond delay="0"/>
+                                  </p:stCondLst>
+                                  <p:childTnLst>
+                                    <p:set>
+                                      <p:cBhvr>
+                                        <p:cTn id="14" dur="1" fill="hold">
+                                          <p:stCondLst>
+                                            <p:cond delay="0"/>
+                                          </p:stCondLst>
+                                        </p:cTn>
+                                        <p:tgtEl>
+                                          <p:spTgt spid="15"/>
+                                        </p:tgtEl>
+                                        <p:attrNameLst>
+                                          <p:attrName>style.visibility</p:attrName>
+                                        </p:attrNameLst>
+                                      </p:cBhvr>
+                                      <p:to>
+                                        <p:strVal val="visible"/>
+                                      </p:to>
+                                    </p:set>
+                                  </p:childTnLst>
+                                </p:cTn>
+                              </p:par>
+                              <p:par>
+                                <p:cTn id="15" presetID="1" presetClass="entr" presetSubtype="0" fill="hold" grpId="0" nodeType="withEffect">
+                                  <p:stCondLst>
+                                    <p:cond delay="0"/>
+                                  </p:stCondLst>
+                                  <p:childTnLst>
+                                    <p:set>
+                                      <p:cBhvr>
+                                        <p:cTn id="16" dur="1" fill="hold">
+                                          <p:stCondLst>
+                                            <p:cond delay="0"/>
+                                          </p:stCondLst>
+                                        </p:cTn>
+                                        <p:tgtEl>
+                                          <p:spTgt spid="9"/>
+                                        </p:tgtEl>
+                                        <p:attrNameLst>
+                                          <p:attrName>style.visibility</p:attrName>
+                                        </p:attrNameLst>
+                                      </p:cBhvr>
+                                      <p:to>
+                                        <p:strVal val="visible"/>
+                                      </p:to>
+                                    </p:set>
+                                  </p:childTnLst>
+                                </p:cTn>
+                              </p:par>
+                            </p:childTnLst>
+                          </p:cTn>
+                        </p:par>
+                      </p:childTnLst>
+                    </p:cTn>
+                  </p:par>
+                  <p:par>
+                    <p:cTn id="17" fill="hold">
+                      <p:stCondLst>
+                        <p:cond delay="indefinite"/>
+                      </p:stCondLst>
+                      <p:childTnLst>
+                        <p:par>
+                          <p:cTn id="18" fill="hold">
+                            <p:stCondLst>
+                              <p:cond delay="0"/>
+                            </p:stCondLst>
+                            <p:childTnLst>
+                              <p:par>
+                                <p:cTn id="19" presetID="1" presetClass="entr" presetSubtype="0" fill="hold" grpId="0" nodeType="clickEffect">
+                                  <p:stCondLst>
+                                    <p:cond delay="0"/>
+                                  </p:stCondLst>
+                                  <p:childTnLst>
+                                    <p:set>
+                                      <p:cBhvr>
+                                        <p:cTn id="20" dur="1" fill="hold">
+                                          <p:stCondLst>
+                                            <p:cond delay="0"/>
+                                          </p:stCondLst>
+                                        </p:cTn>
+                                        <p:tgtEl>
+                                          <p:spTgt spid="47"/>
+                                        </p:tgtEl>
+                                        <p:attrNameLst>
+                                          <p:attrName>style.visibility</p:attrName>
+                                        </p:attrNameLst>
+                                      </p:cBhvr>
+                                      <p:to>
+                                        <p:strVal val="visible"/>
+                                      </p:to>
+                                    </p:set>
+                                  </p:childTnLst>
+                                </p:cTn>
+                              </p:par>
+                            </p:childTnLst>
+                          </p:cTn>
+                        </p:par>
+                      </p:childTnLst>
+                    </p:cTn>
+                  </p:par>
+                  <p:par>
+                    <p:cTn id="21" fill="hold">
+                      <p:stCondLst>
+                        <p:cond delay="indefinite"/>
+                      </p:stCondLst>
+                      <p:childTnLst>
+                        <p:par>
+                          <p:cTn id="22" fill="hold">
+                            <p:stCondLst>
+                              <p:cond delay="0"/>
+                            </p:stCondLst>
+                            <p:childTnLst>
+                              <p:par>
+                                <p:cTn id="23" presetID="1" presetClass="entr" presetSubtype="0" fill="hold" nodeType="clickEffect">
+                                  <p:stCondLst>
+                                    <p:cond delay="0"/>
+                                  </p:stCondLst>
+                                  <p:childTnLst>
+                                    <p:set>
+                                      <p:cBhvr>
+                                        <p:cTn id="24" dur="1" fill="hold">
+                                          <p:stCondLst>
+                                            <p:cond delay="0"/>
+                                          </p:stCondLst>
+                                        </p:cTn>
+                                        <p:tgtEl>
+                                          <p:spTgt spid="18"/>
+                                        </p:tgtEl>
+                                        <p:attrNameLst>
+                                          <p:attrName>style.visibility</p:attrName>
+                                        </p:attrNameLst>
+                                      </p:cBhvr>
+                                      <p:to>
+                                        <p:strVal val="visible"/>
+                                      </p:to>
+                                    </p:set>
+                                  </p:childTnLst>
+                                </p:cTn>
+                              </p:par>
+                              <p:par>
+                                <p:cTn id="25" presetID="1" presetClass="entr" presetSubtype="0" fill="hold" grpId="0" nodeType="withEffect">
+                                  <p:stCondLst>
+                                    <p:cond delay="0"/>
+                                  </p:stCondLst>
+                                  <p:childTnLst>
+                                    <p:set>
+                                      <p:cBhvr>
+                                        <p:cTn id="26" dur="1" fill="hold">
+                                          <p:stCondLst>
+                                            <p:cond delay="0"/>
+                                          </p:stCondLst>
+                                        </p:cTn>
+                                        <p:tgtEl>
+                                          <p:spTgt spid="10"/>
+                                        </p:tgtEl>
+                                        <p:attrNameLst>
+                                          <p:attrName>style.visibility</p:attrName>
+                                        </p:attrNameLst>
+                                      </p:cBhvr>
+                                      <p:to>
+                                        <p:strVal val="visible"/>
+                                      </p:to>
+                                    </p:set>
+                                  </p:childTnLst>
+                                </p:cTn>
+                              </p:par>
+                              <p:par>
+                                <p:cTn id="27" presetID="1" presetClass="entr" presetSubtype="0" fill="hold" grpId="0" nodeType="withEffect">
+                                  <p:stCondLst>
+                                    <p:cond delay="0"/>
+                                  </p:stCondLst>
+                                  <p:childTnLst>
+                                    <p:set>
+                                      <p:cBhvr>
+                                        <p:cTn id="28" dur="1" fill="hold">
+                                          <p:stCondLst>
+                                            <p:cond delay="0"/>
+                                          </p:stCondLst>
+                                        </p:cTn>
+                                        <p:tgtEl>
+                                          <p:spTgt spid="48"/>
+                                        </p:tgtEl>
+                                        <p:attrNameLst>
+                                          <p:attrName>style.visibility</p:attrName>
+                                        </p:attrNameLst>
+                                      </p:cBhvr>
+                                      <p:to>
+                                        <p:strVal val="visible"/>
+                                      </p:to>
+                                    </p:set>
+                                  </p:childTnLst>
+                                </p:cTn>
+                              </p:par>
+                            </p:childTnLst>
+                          </p:cTn>
+                        </p:par>
+                      </p:childTnLst>
+                    </p:cTn>
+                  </p:par>
+                  <p:par>
+                    <p:cTn id="29" fill="hold">
+                      <p:stCondLst>
+                        <p:cond delay="indefinite"/>
+                      </p:stCondLst>
+                      <p:childTnLst>
+                        <p:par>
+                          <p:cTn id="30" fill="hold">
+                            <p:stCondLst>
+                              <p:cond delay="0"/>
+                            </p:stCondLst>
+                            <p:childTnLst>
+                              <p:par>
+                                <p:cTn id="31" presetID="1" presetClass="entr" presetSubtype="0" fill="hold" nodeType="clickEffect">
+                                  <p:stCondLst>
+                                    <p:cond delay="0"/>
+                                  </p:stCondLst>
+                                  <p:childTnLst>
+                                    <p:set>
+                                      <p:cBhvr>
+                                        <p:cTn id="32" dur="1" fill="hold">
+                                          <p:stCondLst>
+                                            <p:cond delay="0"/>
+                                          </p:stCondLst>
+                                        </p:cTn>
+                                        <p:tgtEl>
+                                          <p:spTgt spid="21"/>
+                                        </p:tgtEl>
+                                        <p:attrNameLst>
+                                          <p:attrName>style.visibility</p:attrName>
+                                        </p:attrNameLst>
+                                      </p:cBhvr>
+                                      <p:to>
+                                        <p:strVal val="visible"/>
+                                      </p:to>
+                                    </p:set>
+                                  </p:childTnLst>
+                                </p:cTn>
+                              </p:par>
+                              <p:par>
+                                <p:cTn id="33" presetID="1" presetClass="entr" presetSubtype="0" fill="hold" grpId="0" nodeType="withEffect">
+                                  <p:stCondLst>
+                                    <p:cond delay="0"/>
+                                  </p:stCondLst>
+                                  <p:childTnLst>
+                                    <p:set>
+                                      <p:cBhvr>
+                                        <p:cTn id="34" dur="1" fill="hold">
+                                          <p:stCondLst>
+                                            <p:cond delay="0"/>
+                                          </p:stCondLst>
+                                        </p:cTn>
+                                        <p:tgtEl>
+                                          <p:spTgt spid="49"/>
+                                        </p:tgtEl>
+                                        <p:attrNameLst>
+                                          <p:attrName>style.visibility</p:attrName>
+                                        </p:attrNameLst>
+                                      </p:cBhvr>
+                                      <p:to>
+                                        <p:strVal val="visible"/>
+                                      </p:to>
+                                    </p:set>
+                                  </p:childTnLst>
+                                </p:cTn>
+                              </p:par>
+                            </p:childTnLst>
+                          </p:cTn>
+                        </p:par>
+                      </p:childTnLst>
+                    </p:cTn>
+                  </p:par>
+                </p:childTnLst>
+              </p:cTn>
+              <p:prevCondLst>
+                <p:cond evt="onPrev" delay="0">
+                  <p:tgtEl>
+                    <p:sldTgt/>
+                  </p:tgtEl>
+                </p:cond>
+              </p:prevCondLst>
+              <p:nextCondLst>
+                <p:cond evt="onNext" delay="0">
+                  <p:tgtEl>
+                    <p:sldTgt/>
+                  </p:tgtEl>
+                </p:cond>
+              </p:nextCondLst>
+            </p:seq>
+          </p:childTnLst>
+        </p:cTn>
+      </p:par>
+    </p:tnLst>
+    <p:bldLst>
+      <p:bldP spid="8" grpId="0" animBg="1"/>
+      <p:bldP spid="9" grpId="0" animBg="1"/>
+      <p:bldP spid="10" grpId="0" animBg="1"/>
+      <p:bldP spid="37" grpId="0"/>
+      <p:bldP spid="47" grpId="0"/>
+      <p:bldP spid="48" grpId="0"/>
+      <p:bldP spid="49" grpId="0"/>
+    </p:bldLst>
+  </p:timing>
 </p:sld>
 </file>
 

--- a/slides/block1.pptx
+++ b/slides/block1.pptx
@@ -5,7 +5,7 @@
     <p:sldMasterId id="2147483648" r:id="rId1"/>
   </p:sldMasterIdLst>
   <p:notesMasterIdLst>
-    <p:notesMasterId r:id="rId13"/>
+    <p:notesMasterId r:id="rId15"/>
   </p:notesMasterIdLst>
   <p:sldIdLst>
     <p:sldId id="256" r:id="rId2"/>
@@ -18,7 +18,9 @@
     <p:sldId id="273" r:id="rId9"/>
     <p:sldId id="262" r:id="rId10"/>
     <p:sldId id="258" r:id="rId11"/>
-    <p:sldId id="278" r:id="rId12"/>
+    <p:sldId id="280" r:id="rId12"/>
+    <p:sldId id="278" r:id="rId13"/>
+    <p:sldId id="279" r:id="rId14"/>
   </p:sldIdLst>
   <p:sldSz cx="12192000" cy="6858000"/>
   <p:notesSz cx="6858000" cy="9144000"/>
@@ -207,7 +209,7 @@
           <a:p>
             <a:fld id="{3F5DAF9C-BFBB-7344-81B1-BA27AD60250B}" type="datetimeFigureOut">
               <a:rPr lang="en-KW" smtClean="0"/>
-              <a:t>18/10/2025</a:t>
+              <a:t>19/10/2025</a:t>
             </a:fld>
             <a:endParaRPr lang="en-KW"/>
           </a:p>
@@ -921,7 +923,7 @@
           <a:p>
             <a:fld id="{AB78BAB4-45D1-EE48-BF00-BF3F291908FD}" type="datetimeFigureOut">
               <a:rPr lang="en-KW" smtClean="0"/>
-              <a:t>18/10/2025</a:t>
+              <a:t>19/10/2025</a:t>
             </a:fld>
             <a:endParaRPr lang="en-KW"/>
           </a:p>
@@ -1121,7 +1123,7 @@
           <a:p>
             <a:fld id="{AB78BAB4-45D1-EE48-BF00-BF3F291908FD}" type="datetimeFigureOut">
               <a:rPr lang="en-KW" smtClean="0"/>
-              <a:t>18/10/2025</a:t>
+              <a:t>19/10/2025</a:t>
             </a:fld>
             <a:endParaRPr lang="en-KW"/>
           </a:p>
@@ -1331,7 +1333,7 @@
           <a:p>
             <a:fld id="{AB78BAB4-45D1-EE48-BF00-BF3F291908FD}" type="datetimeFigureOut">
               <a:rPr lang="en-KW" smtClean="0"/>
-              <a:t>18/10/2025</a:t>
+              <a:t>19/10/2025</a:t>
             </a:fld>
             <a:endParaRPr lang="en-KW"/>
           </a:p>
@@ -1554,7 +1556,7 @@
           <a:p>
             <a:fld id="{AB78BAB4-45D1-EE48-BF00-BF3F291908FD}" type="datetimeFigureOut">
               <a:rPr lang="en-KW" smtClean="0"/>
-              <a:t>18/10/2025</a:t>
+              <a:t>19/10/2025</a:t>
             </a:fld>
             <a:endParaRPr lang="en-KW"/>
           </a:p>
@@ -1830,7 +1832,7 @@
           <a:p>
             <a:fld id="{AB78BAB4-45D1-EE48-BF00-BF3F291908FD}" type="datetimeFigureOut">
               <a:rPr lang="en-KW" smtClean="0"/>
-              <a:t>18/10/2025</a:t>
+              <a:t>19/10/2025</a:t>
             </a:fld>
             <a:endParaRPr lang="en-KW"/>
           </a:p>
@@ -2098,7 +2100,7 @@
           <a:p>
             <a:fld id="{AB78BAB4-45D1-EE48-BF00-BF3F291908FD}" type="datetimeFigureOut">
               <a:rPr lang="en-KW" smtClean="0"/>
-              <a:t>18/10/2025</a:t>
+              <a:t>19/10/2025</a:t>
             </a:fld>
             <a:endParaRPr lang="en-KW"/>
           </a:p>
@@ -2513,7 +2515,7 @@
           <a:p>
             <a:fld id="{AB78BAB4-45D1-EE48-BF00-BF3F291908FD}" type="datetimeFigureOut">
               <a:rPr lang="en-KW" smtClean="0"/>
-              <a:t>18/10/2025</a:t>
+              <a:t>19/10/2025</a:t>
             </a:fld>
             <a:endParaRPr lang="en-KW"/>
           </a:p>
@@ -2655,7 +2657,7 @@
           <a:p>
             <a:fld id="{AB78BAB4-45D1-EE48-BF00-BF3F291908FD}" type="datetimeFigureOut">
               <a:rPr lang="en-KW" smtClean="0"/>
-              <a:t>18/10/2025</a:t>
+              <a:t>19/10/2025</a:t>
             </a:fld>
             <a:endParaRPr lang="en-KW"/>
           </a:p>
@@ -2768,7 +2770,7 @@
           <a:p>
             <a:fld id="{AB78BAB4-45D1-EE48-BF00-BF3F291908FD}" type="datetimeFigureOut">
               <a:rPr lang="en-KW" smtClean="0"/>
-              <a:t>18/10/2025</a:t>
+              <a:t>19/10/2025</a:t>
             </a:fld>
             <a:endParaRPr lang="en-KW"/>
           </a:p>
@@ -3081,7 +3083,7 @@
           <a:p>
             <a:fld id="{AB78BAB4-45D1-EE48-BF00-BF3F291908FD}" type="datetimeFigureOut">
               <a:rPr lang="en-KW" smtClean="0"/>
-              <a:t>18/10/2025</a:t>
+              <a:t>19/10/2025</a:t>
             </a:fld>
             <a:endParaRPr lang="en-KW"/>
           </a:p>
@@ -3370,7 +3372,7 @@
           <a:p>
             <a:fld id="{AB78BAB4-45D1-EE48-BF00-BF3F291908FD}" type="datetimeFigureOut">
               <a:rPr lang="en-KW" smtClean="0"/>
-              <a:t>18/10/2025</a:t>
+              <a:t>19/10/2025</a:t>
             </a:fld>
             <a:endParaRPr lang="en-KW"/>
           </a:p>
@@ -3613,7 +3615,7 @@
           <a:p>
             <a:fld id="{AB78BAB4-45D1-EE48-BF00-BF3F291908FD}" type="datetimeFigureOut">
               <a:rPr lang="en-KW" smtClean="0"/>
-              <a:t>18/10/2025</a:t>
+              <a:t>19/10/2025</a:t>
             </a:fld>
             <a:endParaRPr lang="en-KW"/>
           </a:p>
@@ -4527,6 +4529,454 @@
           <p:cNvPr id="2" name="Title 1">
             <a:extLst>
               <a:ext uri="{FF2B5EF4-FFF2-40B4-BE49-F238E27FC236}">
+                <a16:creationId xmlns:a16="http://schemas.microsoft.com/office/drawing/2014/main" id="{0BD11739-2DCD-99A2-2209-E4E7C0C90A7A}"/>
+              </a:ext>
+            </a:extLst>
+          </p:cNvPr>
+          <p:cNvSpPr>
+            <a:spLocks noGrp="1"/>
+          </p:cNvSpPr>
+          <p:nvPr>
+            <p:ph type="title"/>
+          </p:nvPr>
+        </p:nvSpPr>
+        <p:spPr>
+          <a:xfrm>
+            <a:off x="838200" y="390064"/>
+            <a:ext cx="10515600" cy="1325563"/>
+          </a:xfrm>
+        </p:spPr>
+        <p:txBody>
+          <a:bodyPr/>
+          <a:lstStyle/>
+          <a:p>
+            <a:r>
+              <a:rPr lang="en-KW" dirty="0"/>
+              <a:t>Installing Python</a:t>
+            </a:r>
+          </a:p>
+        </p:txBody>
+      </p:sp>
+      <p:sp>
+        <p:nvSpPr>
+          <p:cNvPr id="3" name="Content Placeholder 2">
+            <a:extLst>
+              <a:ext uri="{FF2B5EF4-FFF2-40B4-BE49-F238E27FC236}">
+                <a16:creationId xmlns:a16="http://schemas.microsoft.com/office/drawing/2014/main" id="{1C2DE6F7-1EEC-F67C-504C-96E853947767}"/>
+              </a:ext>
+            </a:extLst>
+          </p:cNvPr>
+          <p:cNvSpPr>
+            <a:spLocks noGrp="1"/>
+          </p:cNvSpPr>
+          <p:nvPr>
+            <p:ph idx="1"/>
+          </p:nvPr>
+        </p:nvSpPr>
+        <p:spPr/>
+        <p:txBody>
+          <a:bodyPr/>
+          <a:lstStyle/>
+          <a:p>
+            <a:r>
+              <a:rPr lang="en-KW" dirty="0"/>
+              <a:t>Install the uv tool on your system (</a:t>
+            </a:r>
+            <a:r>
+              <a:rPr lang="en-US" dirty="0"/>
+              <a:t>https://</a:t>
+            </a:r>
+            <a:r>
+              <a:rPr lang="en-US" dirty="0" err="1"/>
+              <a:t>docs.astral.sh</a:t>
+            </a:r>
+            <a:r>
+              <a:rPr lang="en-US" dirty="0"/>
+              <a:t>/</a:t>
+            </a:r>
+            <a:r>
+              <a:rPr lang="en-US" dirty="0" err="1"/>
+              <a:t>uv</a:t>
+            </a:r>
+            <a:r>
+              <a:rPr lang="en-US" dirty="0"/>
+              <a:t>)</a:t>
+            </a:r>
+          </a:p>
+          <a:p>
+            <a:r>
+              <a:rPr lang="en-US" dirty="0"/>
+              <a:t>Open up a new terminal or command prompt:</a:t>
+            </a:r>
+          </a:p>
+          <a:p>
+            <a:pPr lvl="1"/>
+            <a:r>
+              <a:rPr lang="en-US" dirty="0"/>
+              <a:t>Install Python 3.12: </a:t>
+            </a:r>
+            <a:r>
+              <a:rPr lang="en-US" dirty="0" err="1">
+                <a:solidFill>
+                  <a:schemeClr val="accent5">
+                    <a:lumMod val="50000"/>
+                  </a:schemeClr>
+                </a:solidFill>
+                <a:latin typeface="Consolas" panose="020B0609020204030204" pitchFamily="49" charset="0"/>
+                <a:cs typeface="Consolas" panose="020B0609020204030204" pitchFamily="49" charset="0"/>
+              </a:rPr>
+              <a:t>uv</a:t>
+            </a:r>
+            <a:r>
+              <a:rPr lang="en-US" dirty="0">
+                <a:solidFill>
+                  <a:schemeClr val="accent5">
+                    <a:lumMod val="50000"/>
+                  </a:schemeClr>
+                </a:solidFill>
+                <a:latin typeface="Consolas" panose="020B0609020204030204" pitchFamily="49" charset="0"/>
+                <a:cs typeface="Consolas" panose="020B0609020204030204" pitchFamily="49" charset="0"/>
+              </a:rPr>
+              <a:t> python install 3.1</a:t>
+            </a:r>
+          </a:p>
+          <a:p>
+            <a:pPr lvl="1"/>
+            <a:r>
+              <a:rPr lang="en-US" dirty="0"/>
+              <a:t>Create virtual environment: </a:t>
+            </a:r>
+            <a:r>
+              <a:rPr lang="en-US" dirty="0" err="1">
+                <a:solidFill>
+                  <a:schemeClr val="accent5">
+                    <a:lumMod val="50000"/>
+                  </a:schemeClr>
+                </a:solidFill>
+                <a:latin typeface="Consolas" panose="020B0609020204030204" pitchFamily="49" charset="0"/>
+                <a:cs typeface="Consolas" panose="020B0609020204030204" pitchFamily="49" charset="0"/>
+              </a:rPr>
+              <a:t>uv</a:t>
+            </a:r>
+            <a:r>
+              <a:rPr lang="en-US" dirty="0">
+                <a:solidFill>
+                  <a:schemeClr val="accent5">
+                    <a:lumMod val="50000"/>
+                  </a:schemeClr>
+                </a:solidFill>
+                <a:latin typeface="Consolas" panose="020B0609020204030204" pitchFamily="49" charset="0"/>
+                <a:cs typeface="Consolas" panose="020B0609020204030204" pitchFamily="49" charset="0"/>
+              </a:rPr>
+              <a:t> </a:t>
+            </a:r>
+            <a:r>
+              <a:rPr lang="en-US" dirty="0" err="1">
+                <a:solidFill>
+                  <a:schemeClr val="accent5">
+                    <a:lumMod val="50000"/>
+                  </a:schemeClr>
+                </a:solidFill>
+                <a:latin typeface="Consolas" panose="020B0609020204030204" pitchFamily="49" charset="0"/>
+                <a:cs typeface="Consolas" panose="020B0609020204030204" pitchFamily="49" charset="0"/>
+              </a:rPr>
+              <a:t>venv</a:t>
+            </a:r>
+            <a:r>
+              <a:rPr lang="en-US" dirty="0">
+                <a:solidFill>
+                  <a:schemeClr val="accent5">
+                    <a:lumMod val="50000"/>
+                  </a:schemeClr>
+                </a:solidFill>
+                <a:latin typeface="Consolas" panose="020B0609020204030204" pitchFamily="49" charset="0"/>
+                <a:cs typeface="Consolas" panose="020B0609020204030204" pitchFamily="49" charset="0"/>
+              </a:rPr>
+              <a:t> --python 3.12</a:t>
+            </a:r>
+            <a:endParaRPr lang="en-US" dirty="0">
+              <a:solidFill>
+                <a:schemeClr val="accent5">
+                  <a:lumMod val="50000"/>
+                </a:schemeClr>
+              </a:solidFill>
+            </a:endParaRPr>
+          </a:p>
+          <a:p>
+            <a:pPr lvl="1"/>
+            <a:r>
+              <a:rPr lang="en-US" dirty="0"/>
+              <a:t>Activate virtual environment: </a:t>
+            </a:r>
+          </a:p>
+          <a:p>
+            <a:pPr lvl="2"/>
+            <a:r>
+              <a:rPr lang="en-US" b="1" dirty="0">
+                <a:solidFill>
+                  <a:schemeClr val="accent5"/>
+                </a:solidFill>
+              </a:rPr>
+              <a:t>On Windows: </a:t>
+            </a:r>
+            <a:r>
+              <a:rPr lang="en-US" b="1" dirty="0">
+                <a:solidFill>
+                  <a:schemeClr val="accent5">
+                    <a:lumMod val="50000"/>
+                  </a:schemeClr>
+                </a:solidFill>
+              </a:rPr>
+              <a:t>.</a:t>
+            </a:r>
+            <a:r>
+              <a:rPr lang="en-US" b="1" dirty="0" err="1">
+                <a:solidFill>
+                  <a:schemeClr val="accent5">
+                    <a:lumMod val="50000"/>
+                  </a:schemeClr>
+                </a:solidFill>
+              </a:rPr>
+              <a:t>venv</a:t>
+            </a:r>
+            <a:r>
+              <a:rPr lang="en-US" b="1" dirty="0">
+                <a:solidFill>
+                  <a:schemeClr val="accent5">
+                    <a:lumMod val="50000"/>
+                  </a:schemeClr>
+                </a:solidFill>
+              </a:rPr>
+              <a:t>\Scripts\activate</a:t>
+            </a:r>
+          </a:p>
+          <a:p>
+            <a:pPr lvl="2"/>
+            <a:r>
+              <a:rPr lang="en-US" b="1" dirty="0">
+                <a:solidFill>
+                  <a:schemeClr val="accent5"/>
+                </a:solidFill>
+              </a:rPr>
+              <a:t>On Mac/Linux:</a:t>
+            </a:r>
+            <a:r>
+              <a:rPr lang="en-US" dirty="0">
+                <a:solidFill>
+                  <a:schemeClr val="accent5"/>
+                </a:solidFill>
+              </a:rPr>
+              <a:t> </a:t>
+            </a:r>
+            <a:r>
+              <a:rPr lang="en-US" b="1" dirty="0">
+                <a:solidFill>
+                  <a:schemeClr val="accent5">
+                    <a:lumMod val="50000"/>
+                  </a:schemeClr>
+                </a:solidFill>
+              </a:rPr>
+              <a:t>. .</a:t>
+            </a:r>
+            <a:r>
+              <a:rPr lang="en-US" b="1" dirty="0" err="1">
+                <a:solidFill>
+                  <a:schemeClr val="accent5">
+                    <a:lumMod val="50000"/>
+                  </a:schemeClr>
+                </a:solidFill>
+              </a:rPr>
+              <a:t>venv</a:t>
+            </a:r>
+            <a:r>
+              <a:rPr lang="en-US" b="1" dirty="0">
+                <a:solidFill>
+                  <a:schemeClr val="accent5">
+                    <a:lumMod val="50000"/>
+                  </a:schemeClr>
+                </a:solidFill>
+              </a:rPr>
+              <a:t>/bin/activate</a:t>
+            </a:r>
+          </a:p>
+          <a:p>
+            <a:pPr lvl="1"/>
+            <a:r>
+              <a:rPr lang="en-US" dirty="0"/>
+              <a:t>Install required libraries: </a:t>
+            </a:r>
+            <a:r>
+              <a:rPr lang="en-US" dirty="0" err="1">
+                <a:solidFill>
+                  <a:schemeClr val="accent5">
+                    <a:lumMod val="50000"/>
+                  </a:schemeClr>
+                </a:solidFill>
+                <a:latin typeface="Consolas" panose="020B0609020204030204" pitchFamily="49" charset="0"/>
+                <a:cs typeface="Consolas" panose="020B0609020204030204" pitchFamily="49" charset="0"/>
+              </a:rPr>
+              <a:t>uv</a:t>
+            </a:r>
+            <a:r>
+              <a:rPr lang="en-US" dirty="0">
+                <a:solidFill>
+                  <a:schemeClr val="accent5">
+                    <a:lumMod val="50000"/>
+                  </a:schemeClr>
+                </a:solidFill>
+                <a:latin typeface="Consolas" panose="020B0609020204030204" pitchFamily="49" charset="0"/>
+                <a:cs typeface="Consolas" panose="020B0609020204030204" pitchFamily="49" charset="0"/>
+              </a:rPr>
+              <a:t> pip install </a:t>
+            </a:r>
+            <a:r>
+              <a:rPr lang="en-US" dirty="0" err="1">
+                <a:solidFill>
+                  <a:schemeClr val="accent5">
+                    <a:lumMod val="50000"/>
+                  </a:schemeClr>
+                </a:solidFill>
+                <a:latin typeface="Consolas" panose="020B0609020204030204" pitchFamily="49" charset="0"/>
+                <a:cs typeface="Consolas" panose="020B0609020204030204" pitchFamily="49" charset="0"/>
+              </a:rPr>
+              <a:t>numpy</a:t>
+            </a:r>
+            <a:r>
+              <a:rPr lang="en-US" dirty="0">
+                <a:solidFill>
+                  <a:schemeClr val="accent5">
+                    <a:lumMod val="50000"/>
+                  </a:schemeClr>
+                </a:solidFill>
+                <a:latin typeface="Consolas" panose="020B0609020204030204" pitchFamily="49" charset="0"/>
+                <a:cs typeface="Consolas" panose="020B0609020204030204" pitchFamily="49" charset="0"/>
+              </a:rPr>
+              <a:t> pandas matplotlib seaborn </a:t>
+            </a:r>
+            <a:r>
+              <a:rPr lang="en-US" dirty="0" err="1">
+                <a:solidFill>
+                  <a:schemeClr val="accent5">
+                    <a:lumMod val="50000"/>
+                  </a:schemeClr>
+                </a:solidFill>
+                <a:latin typeface="Consolas" panose="020B0609020204030204" pitchFamily="49" charset="0"/>
+                <a:cs typeface="Consolas" panose="020B0609020204030204" pitchFamily="49" charset="0"/>
+              </a:rPr>
+              <a:t>jupyterlab</a:t>
+            </a:r>
+            <a:r>
+              <a:rPr lang="en-US" dirty="0">
+                <a:solidFill>
+                  <a:schemeClr val="accent5">
+                    <a:lumMod val="50000"/>
+                  </a:schemeClr>
+                </a:solidFill>
+                <a:latin typeface="Consolas" panose="020B0609020204030204" pitchFamily="49" charset="0"/>
+                <a:cs typeface="Consolas" panose="020B0609020204030204" pitchFamily="49" charset="0"/>
+              </a:rPr>
+              <a:t> scikit-learn </a:t>
+            </a:r>
+            <a:r>
+              <a:rPr lang="en-US" dirty="0" err="1">
+                <a:solidFill>
+                  <a:schemeClr val="accent5">
+                    <a:lumMod val="50000"/>
+                  </a:schemeClr>
+                </a:solidFill>
+                <a:latin typeface="Consolas" panose="020B0609020204030204" pitchFamily="49" charset="0"/>
+                <a:cs typeface="Consolas" panose="020B0609020204030204" pitchFamily="49" charset="0"/>
+              </a:rPr>
+              <a:t>jax</a:t>
+            </a:r>
+            <a:r>
+              <a:rPr lang="en-US" dirty="0">
+                <a:solidFill>
+                  <a:schemeClr val="accent5">
+                    <a:lumMod val="50000"/>
+                  </a:schemeClr>
+                </a:solidFill>
+                <a:latin typeface="Consolas" panose="020B0609020204030204" pitchFamily="49" charset="0"/>
+                <a:cs typeface="Consolas" panose="020B0609020204030204" pitchFamily="49" charset="0"/>
+              </a:rPr>
+              <a:t> </a:t>
+            </a:r>
+            <a:r>
+              <a:rPr lang="en-US" dirty="0" err="1">
+                <a:solidFill>
+                  <a:schemeClr val="accent5">
+                    <a:lumMod val="50000"/>
+                  </a:schemeClr>
+                </a:solidFill>
+                <a:latin typeface="Consolas" panose="020B0609020204030204" pitchFamily="49" charset="0"/>
+                <a:cs typeface="Consolas" panose="020B0609020204030204" pitchFamily="49" charset="0"/>
+              </a:rPr>
+              <a:t>statsmodels</a:t>
+            </a:r>
+            <a:endParaRPr lang="en-US" dirty="0">
+              <a:solidFill>
+                <a:schemeClr val="accent5">
+                  <a:lumMod val="50000"/>
+                </a:schemeClr>
+              </a:solidFill>
+              <a:latin typeface="Consolas" panose="020B0609020204030204" pitchFamily="49" charset="0"/>
+              <a:cs typeface="Consolas" panose="020B0609020204030204" pitchFamily="49" charset="0"/>
+            </a:endParaRPr>
+          </a:p>
+          <a:p>
+            <a:pPr lvl="1"/>
+            <a:endParaRPr lang="en-US" dirty="0"/>
+          </a:p>
+          <a:p>
+            <a:pPr lvl="1"/>
+            <a:endParaRPr lang="en-US" dirty="0"/>
+          </a:p>
+          <a:p>
+            <a:pPr marL="457200" lvl="1" indent="0">
+              <a:buNone/>
+            </a:pPr>
+            <a:endParaRPr lang="en-US" dirty="0"/>
+          </a:p>
+          <a:p>
+            <a:endParaRPr lang="en-KW" dirty="0"/>
+          </a:p>
+        </p:txBody>
+      </p:sp>
+    </p:spTree>
+    <p:extLst>
+      <p:ext uri="{BB962C8B-B14F-4D97-AF65-F5344CB8AC3E}">
+        <p14:creationId xmlns:p14="http://schemas.microsoft.com/office/powerpoint/2010/main" val="3883921351"/>
+      </p:ext>
+    </p:extLst>
+  </p:cSld>
+  <p:clrMapOvr>
+    <a:masterClrMapping/>
+  </p:clrMapOvr>
+</p:sld>
+</file>
+
+<file path=ppt/slides/slide12.xml><?xml version="1.0" encoding="utf-8"?>
+<p:sld xmlns:a="http://schemas.openxmlformats.org/drawingml/2006/main" xmlns:r="http://schemas.openxmlformats.org/officeDocument/2006/relationships" xmlns:p="http://schemas.openxmlformats.org/presentationml/2006/main">
+  <p:cSld>
+    <p:spTree>
+      <p:nvGrpSpPr>
+        <p:cNvPr id="1" name=""/>
+        <p:cNvGrpSpPr/>
+        <p:nvPr/>
+      </p:nvGrpSpPr>
+      <p:grpSpPr>
+        <a:xfrm>
+          <a:off x="0" y="0"/>
+          <a:ext cx="0" cy="0"/>
+          <a:chOff x="0" y="0"/>
+          <a:chExt cx="0" cy="0"/>
+        </a:xfrm>
+      </p:grpSpPr>
+      <p:sp>
+        <p:nvSpPr>
+          <p:cNvPr id="2" name="Title 1">
+            <a:extLst>
+              <a:ext uri="{FF2B5EF4-FFF2-40B4-BE49-F238E27FC236}">
                 <a16:creationId xmlns:a16="http://schemas.microsoft.com/office/drawing/2014/main" id="{EA408F50-D225-FD4A-6804-000453DEBD11}"/>
               </a:ext>
             </a:extLst>
@@ -4545,7 +4995,7 @@
           <a:p>
             <a:r>
               <a:rPr lang="en-KW" dirty="0"/>
-              <a:t>Coding Exercise</a:t>
+              <a:t>Jupyter Notebook</a:t>
             </a:r>
           </a:p>
         </p:txBody>
@@ -4573,20 +5023,105 @@
           <a:p>
             <a:r>
               <a:rPr lang="en-KW" dirty="0"/>
-              <a:t>Quick overview of numpy &amp; pandas</a:t>
+              <a:t>An interactive Python interpreter where you can mix documentation + code</a:t>
             </a:r>
           </a:p>
           <a:p>
             <a:r>
               <a:rPr lang="en-KW" dirty="0"/>
-              <a:t>Load a dataset</a:t>
+              <a:t>Web-based interface</a:t>
             </a:r>
           </a:p>
           <a:p>
             <a:r>
               <a:rPr lang="en-KW" dirty="0"/>
-              <a:t>Visualize it</a:t>
-            </a:r>
+              <a:t>To launch on Windows:</a:t>
+            </a:r>
+          </a:p>
+          <a:p>
+            <a:pPr lvl="1"/>
+            <a:r>
+              <a:rPr lang="en-KW" dirty="0"/>
+              <a:t>Right click on the windows logo in the taskbar</a:t>
+            </a:r>
+          </a:p>
+          <a:p>
+            <a:pPr lvl="1"/>
+            <a:r>
+              <a:rPr lang="en-KW" dirty="0"/>
+              <a:t>Click “Command Prompt”</a:t>
+            </a:r>
+          </a:p>
+          <a:p>
+            <a:pPr lvl="1"/>
+            <a:r>
+              <a:rPr lang="en-KW" dirty="0"/>
+              <a:t>Activate virtual environment: </a:t>
+            </a:r>
+            <a:r>
+              <a:rPr lang="en-KW" dirty="0">
+                <a:solidFill>
+                  <a:schemeClr val="accent5">
+                    <a:lumMod val="50000"/>
+                  </a:schemeClr>
+                </a:solidFill>
+                <a:latin typeface="Consolas" panose="020B0609020204030204" pitchFamily="49" charset="0"/>
+                <a:cs typeface="Consolas" panose="020B0609020204030204" pitchFamily="49" charset="0"/>
+              </a:rPr>
+              <a:t>.venv\scripts\activate</a:t>
+            </a:r>
+            <a:endParaRPr lang="en-KW" dirty="0">
+              <a:solidFill>
+                <a:schemeClr val="accent5">
+                  <a:lumMod val="50000"/>
+                </a:schemeClr>
+              </a:solidFill>
+              <a:latin typeface="+mj-lt"/>
+              <a:cs typeface="Consolas" panose="020B0609020204030204" pitchFamily="49" charset="0"/>
+            </a:endParaRPr>
+          </a:p>
+          <a:p>
+            <a:pPr lvl="1"/>
+            <a:r>
+              <a:rPr lang="en-KW" dirty="0">
+                <a:latin typeface="+mj-lt"/>
+                <a:cs typeface="Consolas" panose="020B0609020204030204" pitchFamily="49" charset="0"/>
+              </a:rPr>
+              <a:t>Run Jupyter:</a:t>
+            </a:r>
+            <a:r>
+              <a:rPr lang="en-KW" dirty="0">
+                <a:latin typeface="Consolas" panose="020B0609020204030204" pitchFamily="49" charset="0"/>
+                <a:cs typeface="Consolas" panose="020B0609020204030204" pitchFamily="49" charset="0"/>
+              </a:rPr>
+              <a:t> </a:t>
+            </a:r>
+            <a:r>
+              <a:rPr lang="en-KW" dirty="0">
+                <a:solidFill>
+                  <a:schemeClr val="accent5">
+                    <a:lumMod val="50000"/>
+                  </a:schemeClr>
+                </a:solidFill>
+                <a:latin typeface="Consolas" panose="020B0609020204030204" pitchFamily="49" charset="0"/>
+                <a:cs typeface="Consolas" panose="020B0609020204030204" pitchFamily="49" charset="0"/>
+              </a:rPr>
+              <a:t>jupyter lab</a:t>
+            </a:r>
+          </a:p>
+          <a:p>
+            <a:pPr lvl="1"/>
+            <a:r>
+              <a:rPr lang="en-KW" dirty="0">
+                <a:latin typeface="+mj-lt"/>
+                <a:cs typeface="Consolas" panose="020B0609020204030204" pitchFamily="49" charset="0"/>
+              </a:rPr>
+              <a:t>The browser should launch after a few seconds </a:t>
+            </a:r>
+          </a:p>
+          <a:p>
+            <a:pPr lvl="1"/>
+            <a:endParaRPr lang="en-KW" dirty="0"/>
           </a:p>
         </p:txBody>
       </p:sp>
@@ -4594,6 +5129,110 @@
     <p:extLst>
       <p:ext uri="{BB962C8B-B14F-4D97-AF65-F5344CB8AC3E}">
         <p14:creationId xmlns:p14="http://schemas.microsoft.com/office/powerpoint/2010/main" val="3533639347"/>
+      </p:ext>
+    </p:extLst>
+  </p:cSld>
+  <p:clrMapOvr>
+    <a:masterClrMapping/>
+  </p:clrMapOvr>
+</p:sld>
+</file>
+
+<file path=ppt/slides/slide13.xml><?xml version="1.0" encoding="utf-8"?>
+<p:sld xmlns:a="http://schemas.openxmlformats.org/drawingml/2006/main" xmlns:r="http://schemas.openxmlformats.org/officeDocument/2006/relationships" xmlns:p="http://schemas.openxmlformats.org/presentationml/2006/main">
+  <p:cSld>
+    <p:spTree>
+      <p:nvGrpSpPr>
+        <p:cNvPr id="1" name="">
+          <a:extLst>
+            <a:ext uri="{FF2B5EF4-FFF2-40B4-BE49-F238E27FC236}">
+              <a16:creationId xmlns:a16="http://schemas.microsoft.com/office/drawing/2014/main" id="{B6BD43C5-F969-2D2B-E484-3768B270474A}"/>
+            </a:ext>
+          </a:extLst>
+        </p:cNvPr>
+        <p:cNvGrpSpPr/>
+        <p:nvPr/>
+      </p:nvGrpSpPr>
+      <p:grpSpPr>
+        <a:xfrm>
+          <a:off x="0" y="0"/>
+          <a:ext cx="0" cy="0"/>
+          <a:chOff x="0" y="0"/>
+          <a:chExt cx="0" cy="0"/>
+        </a:xfrm>
+      </p:grpSpPr>
+      <p:sp>
+        <p:nvSpPr>
+          <p:cNvPr id="2" name="Title 1">
+            <a:extLst>
+              <a:ext uri="{FF2B5EF4-FFF2-40B4-BE49-F238E27FC236}">
+                <a16:creationId xmlns:a16="http://schemas.microsoft.com/office/drawing/2014/main" id="{A29772CA-3133-73A7-D064-2A34A7FF71EF}"/>
+              </a:ext>
+            </a:extLst>
+          </p:cNvPr>
+          <p:cNvSpPr>
+            <a:spLocks noGrp="1"/>
+          </p:cNvSpPr>
+          <p:nvPr>
+            <p:ph type="title"/>
+          </p:nvPr>
+        </p:nvSpPr>
+        <p:spPr/>
+        <p:txBody>
+          <a:bodyPr/>
+          <a:lstStyle/>
+          <a:p>
+            <a:r>
+              <a:rPr lang="en-KW" dirty="0"/>
+              <a:t>Coding Exercise</a:t>
+            </a:r>
+          </a:p>
+        </p:txBody>
+      </p:sp>
+      <p:sp>
+        <p:nvSpPr>
+          <p:cNvPr id="3" name="Content Placeholder 2">
+            <a:extLst>
+              <a:ext uri="{FF2B5EF4-FFF2-40B4-BE49-F238E27FC236}">
+                <a16:creationId xmlns:a16="http://schemas.microsoft.com/office/drawing/2014/main" id="{7EDAF2A4-BC2E-21FD-9AA0-B01A26BDDD53}"/>
+              </a:ext>
+            </a:extLst>
+          </p:cNvPr>
+          <p:cNvSpPr>
+            <a:spLocks noGrp="1"/>
+          </p:cNvSpPr>
+          <p:nvPr>
+            <p:ph idx="1"/>
+          </p:nvPr>
+        </p:nvSpPr>
+        <p:spPr/>
+        <p:txBody>
+          <a:bodyPr/>
+          <a:lstStyle/>
+          <a:p>
+            <a:r>
+              <a:rPr lang="en-KW" dirty="0"/>
+              <a:t>Quick overview of numpy &amp; pandas</a:t>
+            </a:r>
+          </a:p>
+          <a:p>
+            <a:r>
+              <a:rPr lang="en-KW" dirty="0"/>
+              <a:t>Load a dataset</a:t>
+            </a:r>
+          </a:p>
+          <a:p>
+            <a:r>
+              <a:rPr lang="en-KW" dirty="0"/>
+              <a:t>Visualize it</a:t>
+            </a:r>
+          </a:p>
+        </p:txBody>
+      </p:sp>
+    </p:spTree>
+    <p:extLst>
+      <p:ext uri="{BB962C8B-B14F-4D97-AF65-F5344CB8AC3E}">
+        <p14:creationId xmlns:p14="http://schemas.microsoft.com/office/powerpoint/2010/main" val="813584584"/>
       </p:ext>
     </p:extLst>
   </p:cSld>
@@ -5561,8 +6200,21 @@
                   <a:srgbClr val="FF0000"/>
                 </a:solidFill>
               </a:rPr>
-              <a:t>Gibberish representation</a:t>
-            </a:r>
+              <a:t>Opaque/</a:t>
+            </a:r>
+            <a:r>
+              <a:rPr lang="en-US" sz="2400" b="1">
+                <a:solidFill>
+                  <a:srgbClr val="FF0000"/>
+                </a:solidFill>
+              </a:rPr>
+              <a:t>nonsensical representation</a:t>
+            </a:r>
+            <a:endParaRPr lang="en-US" sz="2400" b="1" dirty="0">
+              <a:solidFill>
+                <a:srgbClr val="FF0000"/>
+              </a:solidFill>
+            </a:endParaRPr>
           </a:p>
           <a:p>
             <a:pPr marL="342900" indent="-342900">

--- a/slides/block1.pptx
+++ b/slides/block1.pptx
@@ -5,7 +5,7 @@
     <p:sldMasterId id="2147483648" r:id="rId1"/>
   </p:sldMasterIdLst>
   <p:notesMasterIdLst>
-    <p:notesMasterId r:id="rId15"/>
+    <p:notesMasterId r:id="rId13"/>
   </p:notesMasterIdLst>
   <p:sldIdLst>
     <p:sldId id="256" r:id="rId2"/>
@@ -18,9 +18,7 @@
     <p:sldId id="273" r:id="rId9"/>
     <p:sldId id="262" r:id="rId10"/>
     <p:sldId id="258" r:id="rId11"/>
-    <p:sldId id="280" r:id="rId12"/>
-    <p:sldId id="278" r:id="rId13"/>
-    <p:sldId id="279" r:id="rId14"/>
+    <p:sldId id="279" r:id="rId12"/>
   </p:sldIdLst>
   <p:sldSz cx="12192000" cy="6858000"/>
   <p:notesSz cx="6858000" cy="9144000"/>
@@ -4508,637 +4506,6 @@
 </file>
 
 <file path=ppt/slides/slide11.xml><?xml version="1.0" encoding="utf-8"?>
-<p:sld xmlns:a="http://schemas.openxmlformats.org/drawingml/2006/main" xmlns:r="http://schemas.openxmlformats.org/officeDocument/2006/relationships" xmlns:p="http://schemas.openxmlformats.org/presentationml/2006/main">
-  <p:cSld>
-    <p:spTree>
-      <p:nvGrpSpPr>
-        <p:cNvPr id="1" name=""/>
-        <p:cNvGrpSpPr/>
-        <p:nvPr/>
-      </p:nvGrpSpPr>
-      <p:grpSpPr>
-        <a:xfrm>
-          <a:off x="0" y="0"/>
-          <a:ext cx="0" cy="0"/>
-          <a:chOff x="0" y="0"/>
-          <a:chExt cx="0" cy="0"/>
-        </a:xfrm>
-      </p:grpSpPr>
-      <p:sp>
-        <p:nvSpPr>
-          <p:cNvPr id="2" name="Title 1">
-            <a:extLst>
-              <a:ext uri="{FF2B5EF4-FFF2-40B4-BE49-F238E27FC236}">
-                <a16:creationId xmlns:a16="http://schemas.microsoft.com/office/drawing/2014/main" id="{0BD11739-2DCD-99A2-2209-E4E7C0C90A7A}"/>
-              </a:ext>
-            </a:extLst>
-          </p:cNvPr>
-          <p:cNvSpPr>
-            <a:spLocks noGrp="1"/>
-          </p:cNvSpPr>
-          <p:nvPr>
-            <p:ph type="title"/>
-          </p:nvPr>
-        </p:nvSpPr>
-        <p:spPr>
-          <a:xfrm>
-            <a:off x="838200" y="390064"/>
-            <a:ext cx="10515600" cy="1325563"/>
-          </a:xfrm>
-        </p:spPr>
-        <p:txBody>
-          <a:bodyPr/>
-          <a:lstStyle/>
-          <a:p>
-            <a:r>
-              <a:rPr lang="en-KW" dirty="0"/>
-              <a:t>Installing Python</a:t>
-            </a:r>
-          </a:p>
-        </p:txBody>
-      </p:sp>
-      <p:sp>
-        <p:nvSpPr>
-          <p:cNvPr id="3" name="Content Placeholder 2">
-            <a:extLst>
-              <a:ext uri="{FF2B5EF4-FFF2-40B4-BE49-F238E27FC236}">
-                <a16:creationId xmlns:a16="http://schemas.microsoft.com/office/drawing/2014/main" id="{1C2DE6F7-1EEC-F67C-504C-96E853947767}"/>
-              </a:ext>
-            </a:extLst>
-          </p:cNvPr>
-          <p:cNvSpPr>
-            <a:spLocks noGrp="1"/>
-          </p:cNvSpPr>
-          <p:nvPr>
-            <p:ph idx="1"/>
-          </p:nvPr>
-        </p:nvSpPr>
-        <p:spPr/>
-        <p:txBody>
-          <a:bodyPr/>
-          <a:lstStyle/>
-          <a:p>
-            <a:r>
-              <a:rPr lang="en-KW" dirty="0"/>
-              <a:t>Install the uv tool on your system (</a:t>
-            </a:r>
-            <a:r>
-              <a:rPr lang="en-US" dirty="0"/>
-              <a:t>https://</a:t>
-            </a:r>
-            <a:r>
-              <a:rPr lang="en-US" dirty="0" err="1"/>
-              <a:t>docs.astral.sh</a:t>
-            </a:r>
-            <a:r>
-              <a:rPr lang="en-US" dirty="0"/>
-              <a:t>/</a:t>
-            </a:r>
-            <a:r>
-              <a:rPr lang="en-US" dirty="0" err="1"/>
-              <a:t>uv</a:t>
-            </a:r>
-            <a:r>
-              <a:rPr lang="en-US" dirty="0"/>
-              <a:t>)</a:t>
-            </a:r>
-          </a:p>
-          <a:p>
-            <a:r>
-              <a:rPr lang="en-US" dirty="0"/>
-              <a:t>Open up a new terminal or command prompt:</a:t>
-            </a:r>
-          </a:p>
-          <a:p>
-            <a:pPr lvl="1"/>
-            <a:r>
-              <a:rPr lang="en-US" dirty="0"/>
-              <a:t>Install Python 3.12: </a:t>
-            </a:r>
-            <a:r>
-              <a:rPr lang="en-US" dirty="0" err="1">
-                <a:solidFill>
-                  <a:schemeClr val="accent5">
-                    <a:lumMod val="50000"/>
-                  </a:schemeClr>
-                </a:solidFill>
-                <a:latin typeface="Consolas" panose="020B0609020204030204" pitchFamily="49" charset="0"/>
-                <a:cs typeface="Consolas" panose="020B0609020204030204" pitchFamily="49" charset="0"/>
-              </a:rPr>
-              <a:t>uv</a:t>
-            </a:r>
-            <a:r>
-              <a:rPr lang="en-US" dirty="0">
-                <a:solidFill>
-                  <a:schemeClr val="accent5">
-                    <a:lumMod val="50000"/>
-                  </a:schemeClr>
-                </a:solidFill>
-                <a:latin typeface="Consolas" panose="020B0609020204030204" pitchFamily="49" charset="0"/>
-                <a:cs typeface="Consolas" panose="020B0609020204030204" pitchFamily="49" charset="0"/>
-              </a:rPr>
-              <a:t> python install 3.1</a:t>
-            </a:r>
-          </a:p>
-          <a:p>
-            <a:pPr lvl="1"/>
-            <a:r>
-              <a:rPr lang="en-US" dirty="0"/>
-              <a:t>Create virtual environment: </a:t>
-            </a:r>
-            <a:r>
-              <a:rPr lang="en-US" dirty="0" err="1">
-                <a:solidFill>
-                  <a:schemeClr val="accent5">
-                    <a:lumMod val="50000"/>
-                  </a:schemeClr>
-                </a:solidFill>
-                <a:latin typeface="Consolas" panose="020B0609020204030204" pitchFamily="49" charset="0"/>
-                <a:cs typeface="Consolas" panose="020B0609020204030204" pitchFamily="49" charset="0"/>
-              </a:rPr>
-              <a:t>uv</a:t>
-            </a:r>
-            <a:r>
-              <a:rPr lang="en-US" dirty="0">
-                <a:solidFill>
-                  <a:schemeClr val="accent5">
-                    <a:lumMod val="50000"/>
-                  </a:schemeClr>
-                </a:solidFill>
-                <a:latin typeface="Consolas" panose="020B0609020204030204" pitchFamily="49" charset="0"/>
-                <a:cs typeface="Consolas" panose="020B0609020204030204" pitchFamily="49" charset="0"/>
-              </a:rPr>
-              <a:t> </a:t>
-            </a:r>
-            <a:r>
-              <a:rPr lang="en-US" dirty="0" err="1">
-                <a:solidFill>
-                  <a:schemeClr val="accent5">
-                    <a:lumMod val="50000"/>
-                  </a:schemeClr>
-                </a:solidFill>
-                <a:latin typeface="Consolas" panose="020B0609020204030204" pitchFamily="49" charset="0"/>
-                <a:cs typeface="Consolas" panose="020B0609020204030204" pitchFamily="49" charset="0"/>
-              </a:rPr>
-              <a:t>venv</a:t>
-            </a:r>
-            <a:r>
-              <a:rPr lang="en-US" dirty="0">
-                <a:solidFill>
-                  <a:schemeClr val="accent5">
-                    <a:lumMod val="50000"/>
-                  </a:schemeClr>
-                </a:solidFill>
-                <a:latin typeface="Consolas" panose="020B0609020204030204" pitchFamily="49" charset="0"/>
-                <a:cs typeface="Consolas" panose="020B0609020204030204" pitchFamily="49" charset="0"/>
-              </a:rPr>
-              <a:t> --python 3.12</a:t>
-            </a:r>
-            <a:endParaRPr lang="en-US" dirty="0">
-              <a:solidFill>
-                <a:schemeClr val="accent5">
-                  <a:lumMod val="50000"/>
-                </a:schemeClr>
-              </a:solidFill>
-            </a:endParaRPr>
-          </a:p>
-          <a:p>
-            <a:pPr lvl="1"/>
-            <a:r>
-              <a:rPr lang="en-US" dirty="0"/>
-              <a:t>Activate virtual environment: </a:t>
-            </a:r>
-          </a:p>
-          <a:p>
-            <a:pPr lvl="2"/>
-            <a:r>
-              <a:rPr lang="en-US" b="1" dirty="0">
-                <a:solidFill>
-                  <a:schemeClr val="accent5"/>
-                </a:solidFill>
-              </a:rPr>
-              <a:t>On Windows: </a:t>
-            </a:r>
-            <a:r>
-              <a:rPr lang="en-US" b="1" dirty="0">
-                <a:solidFill>
-                  <a:schemeClr val="accent5">
-                    <a:lumMod val="50000"/>
-                  </a:schemeClr>
-                </a:solidFill>
-              </a:rPr>
-              <a:t>.</a:t>
-            </a:r>
-            <a:r>
-              <a:rPr lang="en-US" b="1" dirty="0" err="1">
-                <a:solidFill>
-                  <a:schemeClr val="accent5">
-                    <a:lumMod val="50000"/>
-                  </a:schemeClr>
-                </a:solidFill>
-              </a:rPr>
-              <a:t>venv</a:t>
-            </a:r>
-            <a:r>
-              <a:rPr lang="en-US" b="1" dirty="0">
-                <a:solidFill>
-                  <a:schemeClr val="accent5">
-                    <a:lumMod val="50000"/>
-                  </a:schemeClr>
-                </a:solidFill>
-              </a:rPr>
-              <a:t>\Scripts\activate</a:t>
-            </a:r>
-          </a:p>
-          <a:p>
-            <a:pPr lvl="2"/>
-            <a:r>
-              <a:rPr lang="en-US" b="1" dirty="0">
-                <a:solidFill>
-                  <a:schemeClr val="accent5"/>
-                </a:solidFill>
-              </a:rPr>
-              <a:t>On Mac/Linux:</a:t>
-            </a:r>
-            <a:r>
-              <a:rPr lang="en-US" dirty="0">
-                <a:solidFill>
-                  <a:schemeClr val="accent5"/>
-                </a:solidFill>
-              </a:rPr>
-              <a:t> </a:t>
-            </a:r>
-            <a:r>
-              <a:rPr lang="en-US" b="1" dirty="0">
-                <a:solidFill>
-                  <a:schemeClr val="accent5">
-                    <a:lumMod val="50000"/>
-                  </a:schemeClr>
-                </a:solidFill>
-              </a:rPr>
-              <a:t>. .</a:t>
-            </a:r>
-            <a:r>
-              <a:rPr lang="en-US" b="1" dirty="0" err="1">
-                <a:solidFill>
-                  <a:schemeClr val="accent5">
-                    <a:lumMod val="50000"/>
-                  </a:schemeClr>
-                </a:solidFill>
-              </a:rPr>
-              <a:t>venv</a:t>
-            </a:r>
-            <a:r>
-              <a:rPr lang="en-US" b="1" dirty="0">
-                <a:solidFill>
-                  <a:schemeClr val="accent5">
-                    <a:lumMod val="50000"/>
-                  </a:schemeClr>
-                </a:solidFill>
-              </a:rPr>
-              <a:t>/bin/activate</a:t>
-            </a:r>
-          </a:p>
-          <a:p>
-            <a:pPr lvl="1"/>
-            <a:r>
-              <a:rPr lang="en-US" dirty="0"/>
-              <a:t>Install required libraries: </a:t>
-            </a:r>
-            <a:r>
-              <a:rPr lang="en-US" dirty="0" err="1">
-                <a:solidFill>
-                  <a:schemeClr val="accent5">
-                    <a:lumMod val="50000"/>
-                  </a:schemeClr>
-                </a:solidFill>
-                <a:latin typeface="Consolas" panose="020B0609020204030204" pitchFamily="49" charset="0"/>
-                <a:cs typeface="Consolas" panose="020B0609020204030204" pitchFamily="49" charset="0"/>
-              </a:rPr>
-              <a:t>uv</a:t>
-            </a:r>
-            <a:r>
-              <a:rPr lang="en-US" dirty="0">
-                <a:solidFill>
-                  <a:schemeClr val="accent5">
-                    <a:lumMod val="50000"/>
-                  </a:schemeClr>
-                </a:solidFill>
-                <a:latin typeface="Consolas" panose="020B0609020204030204" pitchFamily="49" charset="0"/>
-                <a:cs typeface="Consolas" panose="020B0609020204030204" pitchFamily="49" charset="0"/>
-              </a:rPr>
-              <a:t> pip install </a:t>
-            </a:r>
-            <a:r>
-              <a:rPr lang="en-US" dirty="0" err="1">
-                <a:solidFill>
-                  <a:schemeClr val="accent5">
-                    <a:lumMod val="50000"/>
-                  </a:schemeClr>
-                </a:solidFill>
-                <a:latin typeface="Consolas" panose="020B0609020204030204" pitchFamily="49" charset="0"/>
-                <a:cs typeface="Consolas" panose="020B0609020204030204" pitchFamily="49" charset="0"/>
-              </a:rPr>
-              <a:t>numpy</a:t>
-            </a:r>
-            <a:r>
-              <a:rPr lang="en-US" dirty="0">
-                <a:solidFill>
-                  <a:schemeClr val="accent5">
-                    <a:lumMod val="50000"/>
-                  </a:schemeClr>
-                </a:solidFill>
-                <a:latin typeface="Consolas" panose="020B0609020204030204" pitchFamily="49" charset="0"/>
-                <a:cs typeface="Consolas" panose="020B0609020204030204" pitchFamily="49" charset="0"/>
-              </a:rPr>
-              <a:t> pandas matplotlib seaborn </a:t>
-            </a:r>
-            <a:r>
-              <a:rPr lang="en-US" dirty="0" err="1">
-                <a:solidFill>
-                  <a:schemeClr val="accent5">
-                    <a:lumMod val="50000"/>
-                  </a:schemeClr>
-                </a:solidFill>
-                <a:latin typeface="Consolas" panose="020B0609020204030204" pitchFamily="49" charset="0"/>
-                <a:cs typeface="Consolas" panose="020B0609020204030204" pitchFamily="49" charset="0"/>
-              </a:rPr>
-              <a:t>jupyterlab</a:t>
-            </a:r>
-            <a:r>
-              <a:rPr lang="en-US" dirty="0">
-                <a:solidFill>
-                  <a:schemeClr val="accent5">
-                    <a:lumMod val="50000"/>
-                  </a:schemeClr>
-                </a:solidFill>
-                <a:latin typeface="Consolas" panose="020B0609020204030204" pitchFamily="49" charset="0"/>
-                <a:cs typeface="Consolas" panose="020B0609020204030204" pitchFamily="49" charset="0"/>
-              </a:rPr>
-              <a:t> scikit-learn </a:t>
-            </a:r>
-            <a:r>
-              <a:rPr lang="en-US" dirty="0" err="1">
-                <a:solidFill>
-                  <a:schemeClr val="accent5">
-                    <a:lumMod val="50000"/>
-                  </a:schemeClr>
-                </a:solidFill>
-                <a:latin typeface="Consolas" panose="020B0609020204030204" pitchFamily="49" charset="0"/>
-                <a:cs typeface="Consolas" panose="020B0609020204030204" pitchFamily="49" charset="0"/>
-              </a:rPr>
-              <a:t>jax</a:t>
-            </a:r>
-            <a:r>
-              <a:rPr lang="en-US" dirty="0">
-                <a:solidFill>
-                  <a:schemeClr val="accent5">
-                    <a:lumMod val="50000"/>
-                  </a:schemeClr>
-                </a:solidFill>
-                <a:latin typeface="Consolas" panose="020B0609020204030204" pitchFamily="49" charset="0"/>
-                <a:cs typeface="Consolas" panose="020B0609020204030204" pitchFamily="49" charset="0"/>
-              </a:rPr>
-              <a:t> </a:t>
-            </a:r>
-            <a:r>
-              <a:rPr lang="en-US" dirty="0" err="1">
-                <a:solidFill>
-                  <a:schemeClr val="accent5">
-                    <a:lumMod val="50000"/>
-                  </a:schemeClr>
-                </a:solidFill>
-                <a:latin typeface="Consolas" panose="020B0609020204030204" pitchFamily="49" charset="0"/>
-                <a:cs typeface="Consolas" panose="020B0609020204030204" pitchFamily="49" charset="0"/>
-              </a:rPr>
-              <a:t>statsmodels</a:t>
-            </a:r>
-            <a:endParaRPr lang="en-US" dirty="0">
-              <a:solidFill>
-                <a:schemeClr val="accent5">
-                  <a:lumMod val="50000"/>
-                </a:schemeClr>
-              </a:solidFill>
-              <a:latin typeface="Consolas" panose="020B0609020204030204" pitchFamily="49" charset="0"/>
-              <a:cs typeface="Consolas" panose="020B0609020204030204" pitchFamily="49" charset="0"/>
-            </a:endParaRPr>
-          </a:p>
-          <a:p>
-            <a:pPr lvl="1"/>
-            <a:endParaRPr lang="en-US" dirty="0"/>
-          </a:p>
-          <a:p>
-            <a:pPr lvl="1"/>
-            <a:endParaRPr lang="en-US" dirty="0"/>
-          </a:p>
-          <a:p>
-            <a:pPr marL="457200" lvl="1" indent="0">
-              <a:buNone/>
-            </a:pPr>
-            <a:endParaRPr lang="en-US" dirty="0"/>
-          </a:p>
-          <a:p>
-            <a:endParaRPr lang="en-KW" dirty="0"/>
-          </a:p>
-        </p:txBody>
-      </p:sp>
-    </p:spTree>
-    <p:extLst>
-      <p:ext uri="{BB962C8B-B14F-4D97-AF65-F5344CB8AC3E}">
-        <p14:creationId xmlns:p14="http://schemas.microsoft.com/office/powerpoint/2010/main" val="3883921351"/>
-      </p:ext>
-    </p:extLst>
-  </p:cSld>
-  <p:clrMapOvr>
-    <a:masterClrMapping/>
-  </p:clrMapOvr>
-</p:sld>
-</file>
-
-<file path=ppt/slides/slide12.xml><?xml version="1.0" encoding="utf-8"?>
-<p:sld xmlns:a="http://schemas.openxmlformats.org/drawingml/2006/main" xmlns:r="http://schemas.openxmlformats.org/officeDocument/2006/relationships" xmlns:p="http://schemas.openxmlformats.org/presentationml/2006/main">
-  <p:cSld>
-    <p:spTree>
-      <p:nvGrpSpPr>
-        <p:cNvPr id="1" name=""/>
-        <p:cNvGrpSpPr/>
-        <p:nvPr/>
-      </p:nvGrpSpPr>
-      <p:grpSpPr>
-        <a:xfrm>
-          <a:off x="0" y="0"/>
-          <a:ext cx="0" cy="0"/>
-          <a:chOff x="0" y="0"/>
-          <a:chExt cx="0" cy="0"/>
-        </a:xfrm>
-      </p:grpSpPr>
-      <p:sp>
-        <p:nvSpPr>
-          <p:cNvPr id="2" name="Title 1">
-            <a:extLst>
-              <a:ext uri="{FF2B5EF4-FFF2-40B4-BE49-F238E27FC236}">
-                <a16:creationId xmlns:a16="http://schemas.microsoft.com/office/drawing/2014/main" id="{EA408F50-D225-FD4A-6804-000453DEBD11}"/>
-              </a:ext>
-            </a:extLst>
-          </p:cNvPr>
-          <p:cNvSpPr>
-            <a:spLocks noGrp="1"/>
-          </p:cNvSpPr>
-          <p:nvPr>
-            <p:ph type="title"/>
-          </p:nvPr>
-        </p:nvSpPr>
-        <p:spPr/>
-        <p:txBody>
-          <a:bodyPr/>
-          <a:lstStyle/>
-          <a:p>
-            <a:r>
-              <a:rPr lang="en-KW" dirty="0"/>
-              <a:t>Jupyter Notebook</a:t>
-            </a:r>
-          </a:p>
-        </p:txBody>
-      </p:sp>
-      <p:sp>
-        <p:nvSpPr>
-          <p:cNvPr id="3" name="Content Placeholder 2">
-            <a:extLst>
-              <a:ext uri="{FF2B5EF4-FFF2-40B4-BE49-F238E27FC236}">
-                <a16:creationId xmlns:a16="http://schemas.microsoft.com/office/drawing/2014/main" id="{758514BA-565F-D750-6A8E-9441A3563F42}"/>
-              </a:ext>
-            </a:extLst>
-          </p:cNvPr>
-          <p:cNvSpPr>
-            <a:spLocks noGrp="1"/>
-          </p:cNvSpPr>
-          <p:nvPr>
-            <p:ph idx="1"/>
-          </p:nvPr>
-        </p:nvSpPr>
-        <p:spPr/>
-        <p:txBody>
-          <a:bodyPr/>
-          <a:lstStyle/>
-          <a:p>
-            <a:r>
-              <a:rPr lang="en-KW" dirty="0"/>
-              <a:t>An interactive Python interpreter where you can mix documentation + code</a:t>
-            </a:r>
-          </a:p>
-          <a:p>
-            <a:r>
-              <a:rPr lang="en-KW" dirty="0"/>
-              <a:t>Web-based interface</a:t>
-            </a:r>
-          </a:p>
-          <a:p>
-            <a:r>
-              <a:rPr lang="en-KW" dirty="0"/>
-              <a:t>To launch on Windows:</a:t>
-            </a:r>
-          </a:p>
-          <a:p>
-            <a:pPr lvl="1"/>
-            <a:r>
-              <a:rPr lang="en-KW" dirty="0"/>
-              <a:t>Right click on the windows logo in the taskbar</a:t>
-            </a:r>
-          </a:p>
-          <a:p>
-            <a:pPr lvl="1"/>
-            <a:r>
-              <a:rPr lang="en-KW" dirty="0"/>
-              <a:t>Click “Command Prompt”</a:t>
-            </a:r>
-          </a:p>
-          <a:p>
-            <a:pPr lvl="1"/>
-            <a:r>
-              <a:rPr lang="en-KW" dirty="0"/>
-              <a:t>Activate virtual environment: </a:t>
-            </a:r>
-            <a:r>
-              <a:rPr lang="en-KW" dirty="0">
-                <a:solidFill>
-                  <a:schemeClr val="accent5">
-                    <a:lumMod val="50000"/>
-                  </a:schemeClr>
-                </a:solidFill>
-                <a:latin typeface="Consolas" panose="020B0609020204030204" pitchFamily="49" charset="0"/>
-                <a:cs typeface="Consolas" panose="020B0609020204030204" pitchFamily="49" charset="0"/>
-              </a:rPr>
-              <a:t>.venv\scripts\activate</a:t>
-            </a:r>
-            <a:endParaRPr lang="en-KW" dirty="0">
-              <a:solidFill>
-                <a:schemeClr val="accent5">
-                  <a:lumMod val="50000"/>
-                </a:schemeClr>
-              </a:solidFill>
-              <a:latin typeface="+mj-lt"/>
-              <a:cs typeface="Consolas" panose="020B0609020204030204" pitchFamily="49" charset="0"/>
-            </a:endParaRPr>
-          </a:p>
-          <a:p>
-            <a:pPr lvl="1"/>
-            <a:r>
-              <a:rPr lang="en-KW" dirty="0">
-                <a:latin typeface="+mj-lt"/>
-                <a:cs typeface="Consolas" panose="020B0609020204030204" pitchFamily="49" charset="0"/>
-              </a:rPr>
-              <a:t>Run Jupyter:</a:t>
-            </a:r>
-            <a:r>
-              <a:rPr lang="en-KW" dirty="0">
-                <a:latin typeface="Consolas" panose="020B0609020204030204" pitchFamily="49" charset="0"/>
-                <a:cs typeface="Consolas" panose="020B0609020204030204" pitchFamily="49" charset="0"/>
-              </a:rPr>
-              <a:t> </a:t>
-            </a:r>
-            <a:r>
-              <a:rPr lang="en-KW" dirty="0">
-                <a:solidFill>
-                  <a:schemeClr val="accent5">
-                    <a:lumMod val="50000"/>
-                  </a:schemeClr>
-                </a:solidFill>
-                <a:latin typeface="Consolas" panose="020B0609020204030204" pitchFamily="49" charset="0"/>
-                <a:cs typeface="Consolas" panose="020B0609020204030204" pitchFamily="49" charset="0"/>
-              </a:rPr>
-              <a:t>jupyter lab</a:t>
-            </a:r>
-          </a:p>
-          <a:p>
-            <a:pPr lvl="1"/>
-            <a:r>
-              <a:rPr lang="en-KW" dirty="0">
-                <a:latin typeface="+mj-lt"/>
-                <a:cs typeface="Consolas" panose="020B0609020204030204" pitchFamily="49" charset="0"/>
-              </a:rPr>
-              <a:t>The browser should launch after a few seconds </a:t>
-            </a:r>
-          </a:p>
-          <a:p>
-            <a:pPr lvl="1"/>
-            <a:endParaRPr lang="en-KW" dirty="0"/>
-          </a:p>
-        </p:txBody>
-      </p:sp>
-    </p:spTree>
-    <p:extLst>
-      <p:ext uri="{BB962C8B-B14F-4D97-AF65-F5344CB8AC3E}">
-        <p14:creationId xmlns:p14="http://schemas.microsoft.com/office/powerpoint/2010/main" val="3533639347"/>
-      </p:ext>
-    </p:extLst>
-  </p:cSld>
-  <p:clrMapOvr>
-    <a:masterClrMapping/>
-  </p:clrMapOvr>
-</p:sld>
-</file>
-
-<file path=ppt/slides/slide13.xml><?xml version="1.0" encoding="utf-8"?>
 <p:sld xmlns:a="http://schemas.openxmlformats.org/drawingml/2006/main" xmlns:r="http://schemas.openxmlformats.org/officeDocument/2006/relationships" xmlns:p="http://schemas.openxmlformats.org/presentationml/2006/main">
   <p:cSld>
     <p:spTree>
